--- a/slides/計算公車站點間旅行距離.pptx
+++ b/slides/計算公車站點間旅行距離.pptx
@@ -122,7 +122,7 @@
 <file path=ppt/revisionInfo.xml><?xml version="1.0" encoding="utf-8"?>
 <p1510:revInfo xmlns:a="http://schemas.openxmlformats.org/drawingml/2006/main" xmlns:r="http://schemas.openxmlformats.org/officeDocument/2006/relationships" xmlns:p1510="http://schemas.microsoft.com/office/powerpoint/2015/10/main">
   <p1510:revLst>
-    <p1510:client id="{895D7F01-116D-49ED-BACE-8F624A849765}" v="177" dt="2023-09-04T16:44:44.438"/>
+    <p1510:client id="{6FA124D8-70CE-4C19-8D7A-3D51F9CAB878}" v="3" dt="2023-09-06T09:04:52.118"/>
   </p1510:revLst>
 </p1510:revInfo>
 </file>
@@ -3988,6 +3988,1828 @@
             <pc:docMk/>
             <pc:sldMk cId="3010109636" sldId="263"/>
             <ac:cxnSpMk id="44" creationId="{9D6DD7A6-986F-8B50-5FA1-3640A21FB336}"/>
+          </ac:cxnSpMkLst>
+        </pc:cxnChg>
+      </pc:sldChg>
+    </pc:docChg>
+  </pc:docChgLst>
+  <pc:docChgLst>
+    <pc:chgData name="Chia-jung Yeh" userId="f328d6f4-0757-42dc-943f-c4685e047ee8" providerId="ADAL" clId="{6FA124D8-70CE-4C19-8D7A-3D51F9CAB878}"/>
+    <pc:docChg chg="modSld">
+      <pc:chgData name="Chia-jung Yeh" userId="f328d6f4-0757-42dc-943f-c4685e047ee8" providerId="ADAL" clId="{6FA124D8-70CE-4C19-8D7A-3D51F9CAB878}" dt="2023-09-06T09:04:52.117" v="2" actId="5736"/>
+      <pc:docMkLst>
+        <pc:docMk/>
+      </pc:docMkLst>
+      <pc:sldChg chg="modSp">
+        <pc:chgData name="Chia-jung Yeh" userId="f328d6f4-0757-42dc-943f-c4685e047ee8" providerId="ADAL" clId="{6FA124D8-70CE-4C19-8D7A-3D51F9CAB878}" dt="2023-09-06T08:18:05.433" v="0" actId="5736"/>
+        <pc:sldMkLst>
+          <pc:docMk/>
+          <pc:sldMk cId="2471082629" sldId="260"/>
+        </pc:sldMkLst>
+        <pc:spChg chg="mod">
+          <ac:chgData name="Chia-jung Yeh" userId="f328d6f4-0757-42dc-943f-c4685e047ee8" providerId="ADAL" clId="{6FA124D8-70CE-4C19-8D7A-3D51F9CAB878}" dt="2023-09-06T08:18:05.433" v="0" actId="5736"/>
+          <ac:spMkLst>
+            <pc:docMk/>
+            <pc:sldMk cId="2471082629" sldId="260"/>
+            <ac:spMk id="9" creationId="{8CB16710-8F8D-D283-A89C-50AD31ADAE93}"/>
+          </ac:spMkLst>
+        </pc:spChg>
+        <pc:spChg chg="mod">
+          <ac:chgData name="Chia-jung Yeh" userId="f328d6f4-0757-42dc-943f-c4685e047ee8" providerId="ADAL" clId="{6FA124D8-70CE-4C19-8D7A-3D51F9CAB878}" dt="2023-09-06T08:18:05.433" v="0" actId="5736"/>
+          <ac:spMkLst>
+            <pc:docMk/>
+            <pc:sldMk cId="2471082629" sldId="260"/>
+            <ac:spMk id="13" creationId="{555C728A-3B82-A71B-54EE-8ECBE8223835}"/>
+          </ac:spMkLst>
+        </pc:spChg>
+        <pc:spChg chg="mod">
+          <ac:chgData name="Chia-jung Yeh" userId="f328d6f4-0757-42dc-943f-c4685e047ee8" providerId="ADAL" clId="{6FA124D8-70CE-4C19-8D7A-3D51F9CAB878}" dt="2023-09-06T08:18:05.433" v="0" actId="5736"/>
+          <ac:spMkLst>
+            <pc:docMk/>
+            <pc:sldMk cId="2471082629" sldId="260"/>
+            <ac:spMk id="17" creationId="{09F43BC2-A37F-E1AA-44B9-BF19CBDF3630}"/>
+          </ac:spMkLst>
+        </pc:spChg>
+        <pc:spChg chg="mod">
+          <ac:chgData name="Chia-jung Yeh" userId="f328d6f4-0757-42dc-943f-c4685e047ee8" providerId="ADAL" clId="{6FA124D8-70CE-4C19-8D7A-3D51F9CAB878}" dt="2023-09-06T08:18:05.433" v="0" actId="5736"/>
+          <ac:spMkLst>
+            <pc:docMk/>
+            <pc:sldMk cId="2471082629" sldId="260"/>
+            <ac:spMk id="19" creationId="{CB320B24-24CB-C02F-D1F4-E8492BAB38A6}"/>
+          </ac:spMkLst>
+        </pc:spChg>
+        <pc:spChg chg="mod">
+          <ac:chgData name="Chia-jung Yeh" userId="f328d6f4-0757-42dc-943f-c4685e047ee8" providerId="ADAL" clId="{6FA124D8-70CE-4C19-8D7A-3D51F9CAB878}" dt="2023-09-06T08:18:05.433" v="0" actId="5736"/>
+          <ac:spMkLst>
+            <pc:docMk/>
+            <pc:sldMk cId="2471082629" sldId="260"/>
+            <ac:spMk id="20" creationId="{1D232A28-DF4E-A319-16A3-4729A02A612F}"/>
+          </ac:spMkLst>
+        </pc:spChg>
+        <pc:spChg chg="mod">
+          <ac:chgData name="Chia-jung Yeh" userId="f328d6f4-0757-42dc-943f-c4685e047ee8" providerId="ADAL" clId="{6FA124D8-70CE-4C19-8D7A-3D51F9CAB878}" dt="2023-09-06T08:18:05.433" v="0" actId="5736"/>
+          <ac:spMkLst>
+            <pc:docMk/>
+            <pc:sldMk cId="2471082629" sldId="260"/>
+            <ac:spMk id="22" creationId="{536EF536-1AA0-4154-5334-CE75F7C6AA73}"/>
+          </ac:spMkLst>
+        </pc:spChg>
+        <pc:spChg chg="mod">
+          <ac:chgData name="Chia-jung Yeh" userId="f328d6f4-0757-42dc-943f-c4685e047ee8" providerId="ADAL" clId="{6FA124D8-70CE-4C19-8D7A-3D51F9CAB878}" dt="2023-09-06T08:18:05.433" v="0" actId="5736"/>
+          <ac:spMkLst>
+            <pc:docMk/>
+            <pc:sldMk cId="2471082629" sldId="260"/>
+            <ac:spMk id="23" creationId="{CE6B5535-F93C-41F7-F1F3-97E3A669DD7A}"/>
+          </ac:spMkLst>
+        </pc:spChg>
+        <pc:spChg chg="mod">
+          <ac:chgData name="Chia-jung Yeh" userId="f328d6f4-0757-42dc-943f-c4685e047ee8" providerId="ADAL" clId="{6FA124D8-70CE-4C19-8D7A-3D51F9CAB878}" dt="2023-09-06T08:18:05.433" v="0" actId="5736"/>
+          <ac:spMkLst>
+            <pc:docMk/>
+            <pc:sldMk cId="2471082629" sldId="260"/>
+            <ac:spMk id="25" creationId="{CAED5C86-1FA9-A68B-A76A-F0327DD3FEC0}"/>
+          </ac:spMkLst>
+        </pc:spChg>
+        <pc:spChg chg="mod">
+          <ac:chgData name="Chia-jung Yeh" userId="f328d6f4-0757-42dc-943f-c4685e047ee8" providerId="ADAL" clId="{6FA124D8-70CE-4C19-8D7A-3D51F9CAB878}" dt="2023-09-06T08:18:05.433" v="0" actId="5736"/>
+          <ac:spMkLst>
+            <pc:docMk/>
+            <pc:sldMk cId="2471082629" sldId="260"/>
+            <ac:spMk id="26" creationId="{53CB08E2-420E-C7E8-0385-56A151E183CC}"/>
+          </ac:spMkLst>
+        </pc:spChg>
+        <pc:spChg chg="mod">
+          <ac:chgData name="Chia-jung Yeh" userId="f328d6f4-0757-42dc-943f-c4685e047ee8" providerId="ADAL" clId="{6FA124D8-70CE-4C19-8D7A-3D51F9CAB878}" dt="2023-09-06T08:18:05.433" v="0" actId="5736"/>
+          <ac:spMkLst>
+            <pc:docMk/>
+            <pc:sldMk cId="2471082629" sldId="260"/>
+            <ac:spMk id="34" creationId="{D8F37C54-C9E2-063C-95EB-F2D39EAAE02C}"/>
+          </ac:spMkLst>
+        </pc:spChg>
+        <pc:spChg chg="mod">
+          <ac:chgData name="Chia-jung Yeh" userId="f328d6f4-0757-42dc-943f-c4685e047ee8" providerId="ADAL" clId="{6FA124D8-70CE-4C19-8D7A-3D51F9CAB878}" dt="2023-09-06T08:18:05.433" v="0" actId="5736"/>
+          <ac:spMkLst>
+            <pc:docMk/>
+            <pc:sldMk cId="2471082629" sldId="260"/>
+            <ac:spMk id="48" creationId="{160A7C4E-5A27-77FC-05EF-C0A5DB75ACA9}"/>
+          </ac:spMkLst>
+        </pc:spChg>
+        <pc:spChg chg="mod">
+          <ac:chgData name="Chia-jung Yeh" userId="f328d6f4-0757-42dc-943f-c4685e047ee8" providerId="ADAL" clId="{6FA124D8-70CE-4C19-8D7A-3D51F9CAB878}" dt="2023-09-06T08:18:05.433" v="0" actId="5736"/>
+          <ac:spMkLst>
+            <pc:docMk/>
+            <pc:sldMk cId="2471082629" sldId="260"/>
+            <ac:spMk id="49" creationId="{402C3F02-F763-74A2-2B5C-EDDF21D10748}"/>
+          </ac:spMkLst>
+        </pc:spChg>
+        <pc:spChg chg="mod">
+          <ac:chgData name="Chia-jung Yeh" userId="f328d6f4-0757-42dc-943f-c4685e047ee8" providerId="ADAL" clId="{6FA124D8-70CE-4C19-8D7A-3D51F9CAB878}" dt="2023-09-06T08:18:05.433" v="0" actId="5736"/>
+          <ac:spMkLst>
+            <pc:docMk/>
+            <pc:sldMk cId="2471082629" sldId="260"/>
+            <ac:spMk id="50" creationId="{310ABC4E-A47D-A20D-5143-23DCF2134A48}"/>
+          </ac:spMkLst>
+        </pc:spChg>
+        <pc:spChg chg="mod">
+          <ac:chgData name="Chia-jung Yeh" userId="f328d6f4-0757-42dc-943f-c4685e047ee8" providerId="ADAL" clId="{6FA124D8-70CE-4C19-8D7A-3D51F9CAB878}" dt="2023-09-06T08:18:05.433" v="0" actId="5736"/>
+          <ac:spMkLst>
+            <pc:docMk/>
+            <pc:sldMk cId="2471082629" sldId="260"/>
+            <ac:spMk id="51" creationId="{E2C4E098-9BB5-9BF8-07C2-BB9D4BD67D9D}"/>
+          </ac:spMkLst>
+        </pc:spChg>
+        <pc:spChg chg="mod">
+          <ac:chgData name="Chia-jung Yeh" userId="f328d6f4-0757-42dc-943f-c4685e047ee8" providerId="ADAL" clId="{6FA124D8-70CE-4C19-8D7A-3D51F9CAB878}" dt="2023-09-06T08:18:05.433" v="0" actId="5736"/>
+          <ac:spMkLst>
+            <pc:docMk/>
+            <pc:sldMk cId="2471082629" sldId="260"/>
+            <ac:spMk id="52" creationId="{36065DE5-136C-F252-3070-59D0E95FDA33}"/>
+          </ac:spMkLst>
+        </pc:spChg>
+        <pc:spChg chg="mod">
+          <ac:chgData name="Chia-jung Yeh" userId="f328d6f4-0757-42dc-943f-c4685e047ee8" providerId="ADAL" clId="{6FA124D8-70CE-4C19-8D7A-3D51F9CAB878}" dt="2023-09-06T08:18:05.433" v="0" actId="5736"/>
+          <ac:spMkLst>
+            <pc:docMk/>
+            <pc:sldMk cId="2471082629" sldId="260"/>
+            <ac:spMk id="53" creationId="{AA6D9C70-4D1C-7B90-F2E9-882D0CCEF505}"/>
+          </ac:spMkLst>
+        </pc:spChg>
+        <pc:spChg chg="mod">
+          <ac:chgData name="Chia-jung Yeh" userId="f328d6f4-0757-42dc-943f-c4685e047ee8" providerId="ADAL" clId="{6FA124D8-70CE-4C19-8D7A-3D51F9CAB878}" dt="2023-09-06T08:18:05.433" v="0" actId="5736"/>
+          <ac:spMkLst>
+            <pc:docMk/>
+            <pc:sldMk cId="2471082629" sldId="260"/>
+            <ac:spMk id="54" creationId="{58B493B9-6291-C8DB-631B-B2B73C956F13}"/>
+          </ac:spMkLst>
+        </pc:spChg>
+        <pc:spChg chg="mod">
+          <ac:chgData name="Chia-jung Yeh" userId="f328d6f4-0757-42dc-943f-c4685e047ee8" providerId="ADAL" clId="{6FA124D8-70CE-4C19-8D7A-3D51F9CAB878}" dt="2023-09-06T08:18:05.433" v="0" actId="5736"/>
+          <ac:spMkLst>
+            <pc:docMk/>
+            <pc:sldMk cId="2471082629" sldId="260"/>
+            <ac:spMk id="55" creationId="{7C424E5B-19BB-F740-D43A-28CD3070303E}"/>
+          </ac:spMkLst>
+        </pc:spChg>
+        <pc:spChg chg="mod">
+          <ac:chgData name="Chia-jung Yeh" userId="f328d6f4-0757-42dc-943f-c4685e047ee8" providerId="ADAL" clId="{6FA124D8-70CE-4C19-8D7A-3D51F9CAB878}" dt="2023-09-06T08:18:05.433" v="0" actId="5736"/>
+          <ac:spMkLst>
+            <pc:docMk/>
+            <pc:sldMk cId="2471082629" sldId="260"/>
+            <ac:spMk id="56" creationId="{94D9B0C6-FE34-1919-2C30-FE25F07F18D9}"/>
+          </ac:spMkLst>
+        </pc:spChg>
+        <pc:spChg chg="mod">
+          <ac:chgData name="Chia-jung Yeh" userId="f328d6f4-0757-42dc-943f-c4685e047ee8" providerId="ADAL" clId="{6FA124D8-70CE-4C19-8D7A-3D51F9CAB878}" dt="2023-09-06T08:18:05.433" v="0" actId="5736"/>
+          <ac:spMkLst>
+            <pc:docMk/>
+            <pc:sldMk cId="2471082629" sldId="260"/>
+            <ac:spMk id="57" creationId="{E8F52EE8-C809-2EBF-AF81-EF4EC415E79D}"/>
+          </ac:spMkLst>
+        </pc:spChg>
+        <pc:spChg chg="mod">
+          <ac:chgData name="Chia-jung Yeh" userId="f328d6f4-0757-42dc-943f-c4685e047ee8" providerId="ADAL" clId="{6FA124D8-70CE-4C19-8D7A-3D51F9CAB878}" dt="2023-09-06T08:18:05.433" v="0" actId="5736"/>
+          <ac:spMkLst>
+            <pc:docMk/>
+            <pc:sldMk cId="2471082629" sldId="260"/>
+            <ac:spMk id="58" creationId="{8DCDCDD9-9054-AE3E-38A6-6E4F431CB947}"/>
+          </ac:spMkLst>
+        </pc:spChg>
+        <pc:spChg chg="mod">
+          <ac:chgData name="Chia-jung Yeh" userId="f328d6f4-0757-42dc-943f-c4685e047ee8" providerId="ADAL" clId="{6FA124D8-70CE-4C19-8D7A-3D51F9CAB878}" dt="2023-09-06T08:18:05.433" v="0" actId="5736"/>
+          <ac:spMkLst>
+            <pc:docMk/>
+            <pc:sldMk cId="2471082629" sldId="260"/>
+            <ac:spMk id="59" creationId="{E341AF01-EC2E-4D23-CF8B-51C40B162789}"/>
+          </ac:spMkLst>
+        </pc:spChg>
+        <pc:spChg chg="mod">
+          <ac:chgData name="Chia-jung Yeh" userId="f328d6f4-0757-42dc-943f-c4685e047ee8" providerId="ADAL" clId="{6FA124D8-70CE-4C19-8D7A-3D51F9CAB878}" dt="2023-09-06T08:18:05.433" v="0" actId="5736"/>
+          <ac:spMkLst>
+            <pc:docMk/>
+            <pc:sldMk cId="2471082629" sldId="260"/>
+            <ac:spMk id="61" creationId="{C5A0E1F0-7692-4E25-BDD0-74373C26A873}"/>
+          </ac:spMkLst>
+        </pc:spChg>
+        <pc:spChg chg="mod">
+          <ac:chgData name="Chia-jung Yeh" userId="f328d6f4-0757-42dc-943f-c4685e047ee8" providerId="ADAL" clId="{6FA124D8-70CE-4C19-8D7A-3D51F9CAB878}" dt="2023-09-06T08:18:05.433" v="0" actId="5736"/>
+          <ac:spMkLst>
+            <pc:docMk/>
+            <pc:sldMk cId="2471082629" sldId="260"/>
+            <ac:spMk id="62" creationId="{6C85B15B-4514-4A5F-E768-5942F9DE636C}"/>
+          </ac:spMkLst>
+        </pc:spChg>
+        <pc:spChg chg="mod">
+          <ac:chgData name="Chia-jung Yeh" userId="f328d6f4-0757-42dc-943f-c4685e047ee8" providerId="ADAL" clId="{6FA124D8-70CE-4C19-8D7A-3D51F9CAB878}" dt="2023-09-06T08:18:05.433" v="0" actId="5736"/>
+          <ac:spMkLst>
+            <pc:docMk/>
+            <pc:sldMk cId="2471082629" sldId="260"/>
+            <ac:spMk id="63" creationId="{600FD54B-6BA5-89C5-3DAF-71122CFFC305}"/>
+          </ac:spMkLst>
+        </pc:spChg>
+        <pc:spChg chg="mod">
+          <ac:chgData name="Chia-jung Yeh" userId="f328d6f4-0757-42dc-943f-c4685e047ee8" providerId="ADAL" clId="{6FA124D8-70CE-4C19-8D7A-3D51F9CAB878}" dt="2023-09-06T08:18:05.433" v="0" actId="5736"/>
+          <ac:spMkLst>
+            <pc:docMk/>
+            <pc:sldMk cId="2471082629" sldId="260"/>
+            <ac:spMk id="64" creationId="{F5A8D783-E102-C4A4-8CB9-6786065DE98A}"/>
+          </ac:spMkLst>
+        </pc:spChg>
+        <pc:spChg chg="mod">
+          <ac:chgData name="Chia-jung Yeh" userId="f328d6f4-0757-42dc-943f-c4685e047ee8" providerId="ADAL" clId="{6FA124D8-70CE-4C19-8D7A-3D51F9CAB878}" dt="2023-09-06T08:18:05.433" v="0" actId="5736"/>
+          <ac:spMkLst>
+            <pc:docMk/>
+            <pc:sldMk cId="2471082629" sldId="260"/>
+            <ac:spMk id="65" creationId="{66CC0F0B-C31D-C870-A300-567642535152}"/>
+          </ac:spMkLst>
+        </pc:spChg>
+        <pc:spChg chg="mod">
+          <ac:chgData name="Chia-jung Yeh" userId="f328d6f4-0757-42dc-943f-c4685e047ee8" providerId="ADAL" clId="{6FA124D8-70CE-4C19-8D7A-3D51F9CAB878}" dt="2023-09-06T08:18:05.433" v="0" actId="5736"/>
+          <ac:spMkLst>
+            <pc:docMk/>
+            <pc:sldMk cId="2471082629" sldId="260"/>
+            <ac:spMk id="66" creationId="{1A774E74-6B0C-8345-8279-6AF609B67072}"/>
+          </ac:spMkLst>
+        </pc:spChg>
+        <pc:spChg chg="mod">
+          <ac:chgData name="Chia-jung Yeh" userId="f328d6f4-0757-42dc-943f-c4685e047ee8" providerId="ADAL" clId="{6FA124D8-70CE-4C19-8D7A-3D51F9CAB878}" dt="2023-09-06T08:18:05.433" v="0" actId="5736"/>
+          <ac:spMkLst>
+            <pc:docMk/>
+            <pc:sldMk cId="2471082629" sldId="260"/>
+            <ac:spMk id="67" creationId="{1006A181-2837-F48B-229A-5C891898C9F6}"/>
+          </ac:spMkLst>
+        </pc:spChg>
+        <pc:spChg chg="mod">
+          <ac:chgData name="Chia-jung Yeh" userId="f328d6f4-0757-42dc-943f-c4685e047ee8" providerId="ADAL" clId="{6FA124D8-70CE-4C19-8D7A-3D51F9CAB878}" dt="2023-09-06T08:18:05.433" v="0" actId="5736"/>
+          <ac:spMkLst>
+            <pc:docMk/>
+            <pc:sldMk cId="2471082629" sldId="260"/>
+            <ac:spMk id="68" creationId="{923B877E-E21D-3126-9B39-D7CA4C5E0D26}"/>
+          </ac:spMkLst>
+        </pc:spChg>
+        <pc:spChg chg="mod">
+          <ac:chgData name="Chia-jung Yeh" userId="f328d6f4-0757-42dc-943f-c4685e047ee8" providerId="ADAL" clId="{6FA124D8-70CE-4C19-8D7A-3D51F9CAB878}" dt="2023-09-06T08:18:05.433" v="0" actId="5736"/>
+          <ac:spMkLst>
+            <pc:docMk/>
+            <pc:sldMk cId="2471082629" sldId="260"/>
+            <ac:spMk id="69" creationId="{4C7DA9F3-41FB-288C-CB14-64D202856B2F}"/>
+          </ac:spMkLst>
+        </pc:spChg>
+        <pc:spChg chg="mod">
+          <ac:chgData name="Chia-jung Yeh" userId="f328d6f4-0757-42dc-943f-c4685e047ee8" providerId="ADAL" clId="{6FA124D8-70CE-4C19-8D7A-3D51F9CAB878}" dt="2023-09-06T08:18:05.433" v="0" actId="5736"/>
+          <ac:spMkLst>
+            <pc:docMk/>
+            <pc:sldMk cId="2471082629" sldId="260"/>
+            <ac:spMk id="70" creationId="{B3A6AAEA-C49F-2102-622F-39EDF8D0FAD5}"/>
+          </ac:spMkLst>
+        </pc:spChg>
+        <pc:spChg chg="mod">
+          <ac:chgData name="Chia-jung Yeh" userId="f328d6f4-0757-42dc-943f-c4685e047ee8" providerId="ADAL" clId="{6FA124D8-70CE-4C19-8D7A-3D51F9CAB878}" dt="2023-09-06T08:18:05.433" v="0" actId="5736"/>
+          <ac:spMkLst>
+            <pc:docMk/>
+            <pc:sldMk cId="2471082629" sldId="260"/>
+            <ac:spMk id="71" creationId="{4363C1AB-4ED9-D23C-1FCD-A1EA7A1A1D0D}"/>
+          </ac:spMkLst>
+        </pc:spChg>
+        <pc:spChg chg="mod">
+          <ac:chgData name="Chia-jung Yeh" userId="f328d6f4-0757-42dc-943f-c4685e047ee8" providerId="ADAL" clId="{6FA124D8-70CE-4C19-8D7A-3D51F9CAB878}" dt="2023-09-06T08:18:05.433" v="0" actId="5736"/>
+          <ac:spMkLst>
+            <pc:docMk/>
+            <pc:sldMk cId="2471082629" sldId="260"/>
+            <ac:spMk id="72" creationId="{67549211-5B19-E1D5-12C3-BB64B1BE5FA6}"/>
+          </ac:spMkLst>
+        </pc:spChg>
+        <pc:spChg chg="mod">
+          <ac:chgData name="Chia-jung Yeh" userId="f328d6f4-0757-42dc-943f-c4685e047ee8" providerId="ADAL" clId="{6FA124D8-70CE-4C19-8D7A-3D51F9CAB878}" dt="2023-09-06T08:18:05.433" v="0" actId="5736"/>
+          <ac:spMkLst>
+            <pc:docMk/>
+            <pc:sldMk cId="2471082629" sldId="260"/>
+            <ac:spMk id="73" creationId="{CFD54940-1346-C8B3-298A-FD1E67369FA0}"/>
+          </ac:spMkLst>
+        </pc:spChg>
+        <pc:spChg chg="mod">
+          <ac:chgData name="Chia-jung Yeh" userId="f328d6f4-0757-42dc-943f-c4685e047ee8" providerId="ADAL" clId="{6FA124D8-70CE-4C19-8D7A-3D51F9CAB878}" dt="2023-09-06T08:18:05.433" v="0" actId="5736"/>
+          <ac:spMkLst>
+            <pc:docMk/>
+            <pc:sldMk cId="2471082629" sldId="260"/>
+            <ac:spMk id="74" creationId="{E587C4F5-3E5F-EBED-80F1-5540CA9F377D}"/>
+          </ac:spMkLst>
+        </pc:spChg>
+        <pc:spChg chg="mod">
+          <ac:chgData name="Chia-jung Yeh" userId="f328d6f4-0757-42dc-943f-c4685e047ee8" providerId="ADAL" clId="{6FA124D8-70CE-4C19-8D7A-3D51F9CAB878}" dt="2023-09-06T08:18:05.433" v="0" actId="5736"/>
+          <ac:spMkLst>
+            <pc:docMk/>
+            <pc:sldMk cId="2471082629" sldId="260"/>
+            <ac:spMk id="75" creationId="{AA2178E3-76C3-B21E-F8EE-4180F3EF8F76}"/>
+          </ac:spMkLst>
+        </pc:spChg>
+        <pc:spChg chg="mod">
+          <ac:chgData name="Chia-jung Yeh" userId="f328d6f4-0757-42dc-943f-c4685e047ee8" providerId="ADAL" clId="{6FA124D8-70CE-4C19-8D7A-3D51F9CAB878}" dt="2023-09-06T08:18:05.433" v="0" actId="5736"/>
+          <ac:spMkLst>
+            <pc:docMk/>
+            <pc:sldMk cId="2471082629" sldId="260"/>
+            <ac:spMk id="76" creationId="{B99E84B1-7340-1217-4457-8E921C3C0CBF}"/>
+          </ac:spMkLst>
+        </pc:spChg>
+        <pc:spChg chg="mod">
+          <ac:chgData name="Chia-jung Yeh" userId="f328d6f4-0757-42dc-943f-c4685e047ee8" providerId="ADAL" clId="{6FA124D8-70CE-4C19-8D7A-3D51F9CAB878}" dt="2023-09-06T08:18:05.433" v="0" actId="5736"/>
+          <ac:spMkLst>
+            <pc:docMk/>
+            <pc:sldMk cId="2471082629" sldId="260"/>
+            <ac:spMk id="77" creationId="{71F9475D-F9D7-DF95-21EF-3149876842CE}"/>
+          </ac:spMkLst>
+        </pc:spChg>
+        <pc:spChg chg="mod">
+          <ac:chgData name="Chia-jung Yeh" userId="f328d6f4-0757-42dc-943f-c4685e047ee8" providerId="ADAL" clId="{6FA124D8-70CE-4C19-8D7A-3D51F9CAB878}" dt="2023-09-06T08:18:05.433" v="0" actId="5736"/>
+          <ac:spMkLst>
+            <pc:docMk/>
+            <pc:sldMk cId="2471082629" sldId="260"/>
+            <ac:spMk id="79" creationId="{CD398368-B5CF-9BEC-2195-16DF46FB44B0}"/>
+          </ac:spMkLst>
+        </pc:spChg>
+        <pc:spChg chg="mod">
+          <ac:chgData name="Chia-jung Yeh" userId="f328d6f4-0757-42dc-943f-c4685e047ee8" providerId="ADAL" clId="{6FA124D8-70CE-4C19-8D7A-3D51F9CAB878}" dt="2023-09-06T08:18:05.433" v="0" actId="5736"/>
+          <ac:spMkLst>
+            <pc:docMk/>
+            <pc:sldMk cId="2471082629" sldId="260"/>
+            <ac:spMk id="80" creationId="{D711594F-57C9-4DC1-5D72-A7FB91F101CA}"/>
+          </ac:spMkLst>
+        </pc:spChg>
+        <pc:spChg chg="mod">
+          <ac:chgData name="Chia-jung Yeh" userId="f328d6f4-0757-42dc-943f-c4685e047ee8" providerId="ADAL" clId="{6FA124D8-70CE-4C19-8D7A-3D51F9CAB878}" dt="2023-09-06T08:18:05.433" v="0" actId="5736"/>
+          <ac:spMkLst>
+            <pc:docMk/>
+            <pc:sldMk cId="2471082629" sldId="260"/>
+            <ac:spMk id="81" creationId="{65B47FB8-DF36-A092-E6D3-562A77A8AA93}"/>
+          </ac:spMkLst>
+        </pc:spChg>
+        <pc:spChg chg="mod">
+          <ac:chgData name="Chia-jung Yeh" userId="f328d6f4-0757-42dc-943f-c4685e047ee8" providerId="ADAL" clId="{6FA124D8-70CE-4C19-8D7A-3D51F9CAB878}" dt="2023-09-06T08:18:05.433" v="0" actId="5736"/>
+          <ac:spMkLst>
+            <pc:docMk/>
+            <pc:sldMk cId="2471082629" sldId="260"/>
+            <ac:spMk id="82" creationId="{9D90266E-537A-2FB6-BFED-25608F4A3B7B}"/>
+          </ac:spMkLst>
+        </pc:spChg>
+        <pc:spChg chg="mod">
+          <ac:chgData name="Chia-jung Yeh" userId="f328d6f4-0757-42dc-943f-c4685e047ee8" providerId="ADAL" clId="{6FA124D8-70CE-4C19-8D7A-3D51F9CAB878}" dt="2023-09-06T08:18:05.433" v="0" actId="5736"/>
+          <ac:spMkLst>
+            <pc:docMk/>
+            <pc:sldMk cId="2471082629" sldId="260"/>
+            <ac:spMk id="83" creationId="{9718BE8D-F7B0-67D0-C001-F5FFAF64F4BF}"/>
+          </ac:spMkLst>
+        </pc:spChg>
+        <pc:spChg chg="mod">
+          <ac:chgData name="Chia-jung Yeh" userId="f328d6f4-0757-42dc-943f-c4685e047ee8" providerId="ADAL" clId="{6FA124D8-70CE-4C19-8D7A-3D51F9CAB878}" dt="2023-09-06T08:18:05.433" v="0" actId="5736"/>
+          <ac:spMkLst>
+            <pc:docMk/>
+            <pc:sldMk cId="2471082629" sldId="260"/>
+            <ac:spMk id="84" creationId="{B55C2CCF-4205-8269-038E-90860D39F827}"/>
+          </ac:spMkLst>
+        </pc:spChg>
+        <pc:spChg chg="mod">
+          <ac:chgData name="Chia-jung Yeh" userId="f328d6f4-0757-42dc-943f-c4685e047ee8" providerId="ADAL" clId="{6FA124D8-70CE-4C19-8D7A-3D51F9CAB878}" dt="2023-09-06T08:18:05.433" v="0" actId="5736"/>
+          <ac:spMkLst>
+            <pc:docMk/>
+            <pc:sldMk cId="2471082629" sldId="260"/>
+            <ac:spMk id="85" creationId="{12FF0D9B-E6C8-1C6B-C98E-B99BD147F75E}"/>
+          </ac:spMkLst>
+        </pc:spChg>
+        <pc:spChg chg="mod">
+          <ac:chgData name="Chia-jung Yeh" userId="f328d6f4-0757-42dc-943f-c4685e047ee8" providerId="ADAL" clId="{6FA124D8-70CE-4C19-8D7A-3D51F9CAB878}" dt="2023-09-06T08:18:05.433" v="0" actId="5736"/>
+          <ac:spMkLst>
+            <pc:docMk/>
+            <pc:sldMk cId="2471082629" sldId="260"/>
+            <ac:spMk id="86" creationId="{F6ED8D45-7E21-9F3A-D648-7DB3FA1A354A}"/>
+          </ac:spMkLst>
+        </pc:spChg>
+        <pc:spChg chg="mod">
+          <ac:chgData name="Chia-jung Yeh" userId="f328d6f4-0757-42dc-943f-c4685e047ee8" providerId="ADAL" clId="{6FA124D8-70CE-4C19-8D7A-3D51F9CAB878}" dt="2023-09-06T08:18:05.433" v="0" actId="5736"/>
+          <ac:spMkLst>
+            <pc:docMk/>
+            <pc:sldMk cId="2471082629" sldId="260"/>
+            <ac:spMk id="87" creationId="{4B810812-3A35-B21B-79A0-4F2154CE0EB7}"/>
+          </ac:spMkLst>
+        </pc:spChg>
+        <pc:spChg chg="mod">
+          <ac:chgData name="Chia-jung Yeh" userId="f328d6f4-0757-42dc-943f-c4685e047ee8" providerId="ADAL" clId="{6FA124D8-70CE-4C19-8D7A-3D51F9CAB878}" dt="2023-09-06T08:18:05.433" v="0" actId="5736"/>
+          <ac:spMkLst>
+            <pc:docMk/>
+            <pc:sldMk cId="2471082629" sldId="260"/>
+            <ac:spMk id="88" creationId="{CA9F6912-3FCF-EF55-F01C-5D69035628F0}"/>
+          </ac:spMkLst>
+        </pc:spChg>
+        <pc:spChg chg="mod">
+          <ac:chgData name="Chia-jung Yeh" userId="f328d6f4-0757-42dc-943f-c4685e047ee8" providerId="ADAL" clId="{6FA124D8-70CE-4C19-8D7A-3D51F9CAB878}" dt="2023-09-06T08:18:05.433" v="0" actId="5736"/>
+          <ac:spMkLst>
+            <pc:docMk/>
+            <pc:sldMk cId="2471082629" sldId="260"/>
+            <ac:spMk id="89" creationId="{7B1669E4-0755-661C-D14F-36AFFC8247EC}"/>
+          </ac:spMkLst>
+        </pc:spChg>
+        <pc:spChg chg="mod">
+          <ac:chgData name="Chia-jung Yeh" userId="f328d6f4-0757-42dc-943f-c4685e047ee8" providerId="ADAL" clId="{6FA124D8-70CE-4C19-8D7A-3D51F9CAB878}" dt="2023-09-06T08:18:05.433" v="0" actId="5736"/>
+          <ac:spMkLst>
+            <pc:docMk/>
+            <pc:sldMk cId="2471082629" sldId="260"/>
+            <ac:spMk id="90" creationId="{A24A046A-C08D-7852-4007-67A0BEA78159}"/>
+          </ac:spMkLst>
+        </pc:spChg>
+        <pc:spChg chg="mod">
+          <ac:chgData name="Chia-jung Yeh" userId="f328d6f4-0757-42dc-943f-c4685e047ee8" providerId="ADAL" clId="{6FA124D8-70CE-4C19-8D7A-3D51F9CAB878}" dt="2023-09-06T08:18:05.433" v="0" actId="5736"/>
+          <ac:spMkLst>
+            <pc:docMk/>
+            <pc:sldMk cId="2471082629" sldId="260"/>
+            <ac:spMk id="92" creationId="{3A1945E0-E2B5-93C5-EF59-EB392717D045}"/>
+          </ac:spMkLst>
+        </pc:spChg>
+        <pc:spChg chg="mod">
+          <ac:chgData name="Chia-jung Yeh" userId="f328d6f4-0757-42dc-943f-c4685e047ee8" providerId="ADAL" clId="{6FA124D8-70CE-4C19-8D7A-3D51F9CAB878}" dt="2023-09-06T08:18:05.433" v="0" actId="5736"/>
+          <ac:spMkLst>
+            <pc:docMk/>
+            <pc:sldMk cId="2471082629" sldId="260"/>
+            <ac:spMk id="93" creationId="{18F89D14-E604-AFBA-5C87-2C33BD47CADC}"/>
+          </ac:spMkLst>
+        </pc:spChg>
+        <pc:spChg chg="mod">
+          <ac:chgData name="Chia-jung Yeh" userId="f328d6f4-0757-42dc-943f-c4685e047ee8" providerId="ADAL" clId="{6FA124D8-70CE-4C19-8D7A-3D51F9CAB878}" dt="2023-09-06T08:18:05.433" v="0" actId="5736"/>
+          <ac:spMkLst>
+            <pc:docMk/>
+            <pc:sldMk cId="2471082629" sldId="260"/>
+            <ac:spMk id="94" creationId="{26AB967A-B359-2F53-01A3-B1A839C73BD1}"/>
+          </ac:spMkLst>
+        </pc:spChg>
+        <pc:spChg chg="mod">
+          <ac:chgData name="Chia-jung Yeh" userId="f328d6f4-0757-42dc-943f-c4685e047ee8" providerId="ADAL" clId="{6FA124D8-70CE-4C19-8D7A-3D51F9CAB878}" dt="2023-09-06T08:18:05.433" v="0" actId="5736"/>
+          <ac:spMkLst>
+            <pc:docMk/>
+            <pc:sldMk cId="2471082629" sldId="260"/>
+            <ac:spMk id="95" creationId="{40955E67-FCE6-DB96-15AB-2252985FD57F}"/>
+          </ac:spMkLst>
+        </pc:spChg>
+        <pc:spChg chg="mod">
+          <ac:chgData name="Chia-jung Yeh" userId="f328d6f4-0757-42dc-943f-c4685e047ee8" providerId="ADAL" clId="{6FA124D8-70CE-4C19-8D7A-3D51F9CAB878}" dt="2023-09-06T08:18:05.433" v="0" actId="5736"/>
+          <ac:spMkLst>
+            <pc:docMk/>
+            <pc:sldMk cId="2471082629" sldId="260"/>
+            <ac:spMk id="96" creationId="{76EBD601-901E-530B-1F7B-B7EC98A6EC53}"/>
+          </ac:spMkLst>
+        </pc:spChg>
+        <pc:spChg chg="mod">
+          <ac:chgData name="Chia-jung Yeh" userId="f328d6f4-0757-42dc-943f-c4685e047ee8" providerId="ADAL" clId="{6FA124D8-70CE-4C19-8D7A-3D51F9CAB878}" dt="2023-09-06T08:18:05.433" v="0" actId="5736"/>
+          <ac:spMkLst>
+            <pc:docMk/>
+            <pc:sldMk cId="2471082629" sldId="260"/>
+            <ac:spMk id="97" creationId="{037A1FAE-364D-1DD4-2546-9A2111C0EBDB}"/>
+          </ac:spMkLst>
+        </pc:spChg>
+        <pc:spChg chg="mod">
+          <ac:chgData name="Chia-jung Yeh" userId="f328d6f4-0757-42dc-943f-c4685e047ee8" providerId="ADAL" clId="{6FA124D8-70CE-4C19-8D7A-3D51F9CAB878}" dt="2023-09-06T08:18:05.433" v="0" actId="5736"/>
+          <ac:spMkLst>
+            <pc:docMk/>
+            <pc:sldMk cId="2471082629" sldId="260"/>
+            <ac:spMk id="98" creationId="{7A2C0BCA-B9CC-913F-A4EB-7A7049A22DD6}"/>
+          </ac:spMkLst>
+        </pc:spChg>
+        <pc:spChg chg="mod">
+          <ac:chgData name="Chia-jung Yeh" userId="f328d6f4-0757-42dc-943f-c4685e047ee8" providerId="ADAL" clId="{6FA124D8-70CE-4C19-8D7A-3D51F9CAB878}" dt="2023-09-06T08:18:05.433" v="0" actId="5736"/>
+          <ac:spMkLst>
+            <pc:docMk/>
+            <pc:sldMk cId="2471082629" sldId="260"/>
+            <ac:spMk id="99" creationId="{BD8F4A2D-EE5F-A1F8-FB8C-401DA418D1A2}"/>
+          </ac:spMkLst>
+        </pc:spChg>
+        <pc:spChg chg="mod">
+          <ac:chgData name="Chia-jung Yeh" userId="f328d6f4-0757-42dc-943f-c4685e047ee8" providerId="ADAL" clId="{6FA124D8-70CE-4C19-8D7A-3D51F9CAB878}" dt="2023-09-06T08:18:05.433" v="0" actId="5736"/>
+          <ac:spMkLst>
+            <pc:docMk/>
+            <pc:sldMk cId="2471082629" sldId="260"/>
+            <ac:spMk id="100" creationId="{03619280-7F85-1299-8B3C-6903E9709CFA}"/>
+          </ac:spMkLst>
+        </pc:spChg>
+        <pc:graphicFrameChg chg="mod">
+          <ac:chgData name="Chia-jung Yeh" userId="f328d6f4-0757-42dc-943f-c4685e047ee8" providerId="ADAL" clId="{6FA124D8-70CE-4C19-8D7A-3D51F9CAB878}" dt="2023-09-06T08:18:05.433" v="0" actId="5736"/>
+          <ac:graphicFrameMkLst>
+            <pc:docMk/>
+            <pc:sldMk cId="2471082629" sldId="260"/>
+            <ac:graphicFrameMk id="158" creationId="{2352CB74-0104-B0DC-8A9C-80DCD933C11F}"/>
+          </ac:graphicFrameMkLst>
+        </pc:graphicFrameChg>
+        <pc:cxnChg chg="mod">
+          <ac:chgData name="Chia-jung Yeh" userId="f328d6f4-0757-42dc-943f-c4685e047ee8" providerId="ADAL" clId="{6FA124D8-70CE-4C19-8D7A-3D51F9CAB878}" dt="2023-09-06T08:18:05.433" v="0" actId="5736"/>
+          <ac:cxnSpMkLst>
+            <pc:docMk/>
+            <pc:sldMk cId="2471082629" sldId="260"/>
+            <ac:cxnSpMk id="4" creationId="{F066D109-D98C-DF9F-BA01-2C8ACA54A517}"/>
+          </ac:cxnSpMkLst>
+        </pc:cxnChg>
+        <pc:cxnChg chg="mod">
+          <ac:chgData name="Chia-jung Yeh" userId="f328d6f4-0757-42dc-943f-c4685e047ee8" providerId="ADAL" clId="{6FA124D8-70CE-4C19-8D7A-3D51F9CAB878}" dt="2023-09-06T08:18:05.433" v="0" actId="5736"/>
+          <ac:cxnSpMkLst>
+            <pc:docMk/>
+            <pc:sldMk cId="2471082629" sldId="260"/>
+            <ac:cxnSpMk id="5" creationId="{0CADA25D-51EF-1529-1E0D-D8D1AAC91749}"/>
+          </ac:cxnSpMkLst>
+        </pc:cxnChg>
+        <pc:cxnChg chg="mod">
+          <ac:chgData name="Chia-jung Yeh" userId="f328d6f4-0757-42dc-943f-c4685e047ee8" providerId="ADAL" clId="{6FA124D8-70CE-4C19-8D7A-3D51F9CAB878}" dt="2023-09-06T08:18:05.433" v="0" actId="5736"/>
+          <ac:cxnSpMkLst>
+            <pc:docMk/>
+            <pc:sldMk cId="2471082629" sldId="260"/>
+            <ac:cxnSpMk id="8" creationId="{23C655D0-6EB0-9DBF-9188-D1E3792D3DF9}"/>
+          </ac:cxnSpMkLst>
+        </pc:cxnChg>
+        <pc:cxnChg chg="mod">
+          <ac:chgData name="Chia-jung Yeh" userId="f328d6f4-0757-42dc-943f-c4685e047ee8" providerId="ADAL" clId="{6FA124D8-70CE-4C19-8D7A-3D51F9CAB878}" dt="2023-09-06T08:18:05.433" v="0" actId="5736"/>
+          <ac:cxnSpMkLst>
+            <pc:docMk/>
+            <pc:sldMk cId="2471082629" sldId="260"/>
+            <ac:cxnSpMk id="10" creationId="{5D07686A-8E76-6219-6607-6FCFFD6A8FC2}"/>
+          </ac:cxnSpMkLst>
+        </pc:cxnChg>
+        <pc:cxnChg chg="mod">
+          <ac:chgData name="Chia-jung Yeh" userId="f328d6f4-0757-42dc-943f-c4685e047ee8" providerId="ADAL" clId="{6FA124D8-70CE-4C19-8D7A-3D51F9CAB878}" dt="2023-09-06T08:18:05.433" v="0" actId="5736"/>
+          <ac:cxnSpMkLst>
+            <pc:docMk/>
+            <pc:sldMk cId="2471082629" sldId="260"/>
+            <ac:cxnSpMk id="11" creationId="{390B8D41-BF1B-AA8D-8D09-10FBD970504B}"/>
+          </ac:cxnSpMkLst>
+        </pc:cxnChg>
+        <pc:cxnChg chg="mod">
+          <ac:chgData name="Chia-jung Yeh" userId="f328d6f4-0757-42dc-943f-c4685e047ee8" providerId="ADAL" clId="{6FA124D8-70CE-4C19-8D7A-3D51F9CAB878}" dt="2023-09-06T08:18:05.433" v="0" actId="5736"/>
+          <ac:cxnSpMkLst>
+            <pc:docMk/>
+            <pc:sldMk cId="2471082629" sldId="260"/>
+            <ac:cxnSpMk id="12" creationId="{EC7F4D87-AA95-1EF0-85E3-70C054466CC4}"/>
+          </ac:cxnSpMkLst>
+        </pc:cxnChg>
+      </pc:sldChg>
+      <pc:sldChg chg="modSp">
+        <pc:chgData name="Chia-jung Yeh" userId="f328d6f4-0757-42dc-943f-c4685e047ee8" providerId="ADAL" clId="{6FA124D8-70CE-4C19-8D7A-3D51F9CAB878}" dt="2023-09-06T08:49:35.722" v="1" actId="5736"/>
+        <pc:sldMkLst>
+          <pc:docMk/>
+          <pc:sldMk cId="827456423" sldId="261"/>
+        </pc:sldMkLst>
+        <pc:spChg chg="mod">
+          <ac:chgData name="Chia-jung Yeh" userId="f328d6f4-0757-42dc-943f-c4685e047ee8" providerId="ADAL" clId="{6FA124D8-70CE-4C19-8D7A-3D51F9CAB878}" dt="2023-09-06T08:49:35.722" v="1" actId="5736"/>
+          <ac:spMkLst>
+            <pc:docMk/>
+            <pc:sldMk cId="827456423" sldId="261"/>
+            <ac:spMk id="2" creationId="{34F111C9-CAC9-65CD-11F9-F28AE48AB7D6}"/>
+          </ac:spMkLst>
+        </pc:spChg>
+        <pc:spChg chg="mod">
+          <ac:chgData name="Chia-jung Yeh" userId="f328d6f4-0757-42dc-943f-c4685e047ee8" providerId="ADAL" clId="{6FA124D8-70CE-4C19-8D7A-3D51F9CAB878}" dt="2023-09-06T08:49:35.722" v="1" actId="5736"/>
+          <ac:spMkLst>
+            <pc:docMk/>
+            <pc:sldMk cId="827456423" sldId="261"/>
+            <ac:spMk id="3" creationId="{14D43459-6913-2CC9-9CD1-E3AAB66C457E}"/>
+          </ac:spMkLst>
+        </pc:spChg>
+        <pc:spChg chg="mod">
+          <ac:chgData name="Chia-jung Yeh" userId="f328d6f4-0757-42dc-943f-c4685e047ee8" providerId="ADAL" clId="{6FA124D8-70CE-4C19-8D7A-3D51F9CAB878}" dt="2023-09-06T08:49:35.722" v="1" actId="5736"/>
+          <ac:spMkLst>
+            <pc:docMk/>
+            <pc:sldMk cId="827456423" sldId="261"/>
+            <ac:spMk id="9" creationId="{8CB16710-8F8D-D283-A89C-50AD31ADAE93}"/>
+          </ac:spMkLst>
+        </pc:spChg>
+        <pc:spChg chg="mod">
+          <ac:chgData name="Chia-jung Yeh" userId="f328d6f4-0757-42dc-943f-c4685e047ee8" providerId="ADAL" clId="{6FA124D8-70CE-4C19-8D7A-3D51F9CAB878}" dt="2023-09-06T08:49:35.722" v="1" actId="5736"/>
+          <ac:spMkLst>
+            <pc:docMk/>
+            <pc:sldMk cId="827456423" sldId="261"/>
+            <ac:spMk id="13" creationId="{555C728A-3B82-A71B-54EE-8ECBE8223835}"/>
+          </ac:spMkLst>
+        </pc:spChg>
+        <pc:spChg chg="mod">
+          <ac:chgData name="Chia-jung Yeh" userId="f328d6f4-0757-42dc-943f-c4685e047ee8" providerId="ADAL" clId="{6FA124D8-70CE-4C19-8D7A-3D51F9CAB878}" dt="2023-09-06T08:49:35.722" v="1" actId="5736"/>
+          <ac:spMkLst>
+            <pc:docMk/>
+            <pc:sldMk cId="827456423" sldId="261"/>
+            <ac:spMk id="14" creationId="{6C3256A5-DCCF-A0CC-7574-283CA1D8EFD6}"/>
+          </ac:spMkLst>
+        </pc:spChg>
+        <pc:spChg chg="mod">
+          <ac:chgData name="Chia-jung Yeh" userId="f328d6f4-0757-42dc-943f-c4685e047ee8" providerId="ADAL" clId="{6FA124D8-70CE-4C19-8D7A-3D51F9CAB878}" dt="2023-09-06T08:49:35.722" v="1" actId="5736"/>
+          <ac:spMkLst>
+            <pc:docMk/>
+            <pc:sldMk cId="827456423" sldId="261"/>
+            <ac:spMk id="15" creationId="{30845310-883C-0AEB-9636-2081AA415A64}"/>
+          </ac:spMkLst>
+        </pc:spChg>
+        <pc:spChg chg="mod">
+          <ac:chgData name="Chia-jung Yeh" userId="f328d6f4-0757-42dc-943f-c4685e047ee8" providerId="ADAL" clId="{6FA124D8-70CE-4C19-8D7A-3D51F9CAB878}" dt="2023-09-06T08:49:35.722" v="1" actId="5736"/>
+          <ac:spMkLst>
+            <pc:docMk/>
+            <pc:sldMk cId="827456423" sldId="261"/>
+            <ac:spMk id="16" creationId="{B9330359-A94B-E517-C6DA-6C5ED067ABF9}"/>
+          </ac:spMkLst>
+        </pc:spChg>
+        <pc:spChg chg="mod">
+          <ac:chgData name="Chia-jung Yeh" userId="f328d6f4-0757-42dc-943f-c4685e047ee8" providerId="ADAL" clId="{6FA124D8-70CE-4C19-8D7A-3D51F9CAB878}" dt="2023-09-06T08:49:35.722" v="1" actId="5736"/>
+          <ac:spMkLst>
+            <pc:docMk/>
+            <pc:sldMk cId="827456423" sldId="261"/>
+            <ac:spMk id="17" creationId="{09F43BC2-A37F-E1AA-44B9-BF19CBDF3630}"/>
+          </ac:spMkLst>
+        </pc:spChg>
+        <pc:spChg chg="mod">
+          <ac:chgData name="Chia-jung Yeh" userId="f328d6f4-0757-42dc-943f-c4685e047ee8" providerId="ADAL" clId="{6FA124D8-70CE-4C19-8D7A-3D51F9CAB878}" dt="2023-09-06T08:49:35.722" v="1" actId="5736"/>
+          <ac:spMkLst>
+            <pc:docMk/>
+            <pc:sldMk cId="827456423" sldId="261"/>
+            <ac:spMk id="18" creationId="{2EDCBF11-3AE0-A0B3-863C-D0108847E138}"/>
+          </ac:spMkLst>
+        </pc:spChg>
+        <pc:spChg chg="mod">
+          <ac:chgData name="Chia-jung Yeh" userId="f328d6f4-0757-42dc-943f-c4685e047ee8" providerId="ADAL" clId="{6FA124D8-70CE-4C19-8D7A-3D51F9CAB878}" dt="2023-09-06T08:49:35.722" v="1" actId="5736"/>
+          <ac:spMkLst>
+            <pc:docMk/>
+            <pc:sldMk cId="827456423" sldId="261"/>
+            <ac:spMk id="19" creationId="{CB320B24-24CB-C02F-D1F4-E8492BAB38A6}"/>
+          </ac:spMkLst>
+        </pc:spChg>
+        <pc:spChg chg="mod">
+          <ac:chgData name="Chia-jung Yeh" userId="f328d6f4-0757-42dc-943f-c4685e047ee8" providerId="ADAL" clId="{6FA124D8-70CE-4C19-8D7A-3D51F9CAB878}" dt="2023-09-06T08:49:35.722" v="1" actId="5736"/>
+          <ac:spMkLst>
+            <pc:docMk/>
+            <pc:sldMk cId="827456423" sldId="261"/>
+            <ac:spMk id="20" creationId="{1D232A28-DF4E-A319-16A3-4729A02A612F}"/>
+          </ac:spMkLst>
+        </pc:spChg>
+        <pc:spChg chg="mod">
+          <ac:chgData name="Chia-jung Yeh" userId="f328d6f4-0757-42dc-943f-c4685e047ee8" providerId="ADAL" clId="{6FA124D8-70CE-4C19-8D7A-3D51F9CAB878}" dt="2023-09-06T08:49:35.722" v="1" actId="5736"/>
+          <ac:spMkLst>
+            <pc:docMk/>
+            <pc:sldMk cId="827456423" sldId="261"/>
+            <ac:spMk id="21" creationId="{9E80E500-2E77-CAB4-149C-CD0505012469}"/>
+          </ac:spMkLst>
+        </pc:spChg>
+        <pc:spChg chg="mod">
+          <ac:chgData name="Chia-jung Yeh" userId="f328d6f4-0757-42dc-943f-c4685e047ee8" providerId="ADAL" clId="{6FA124D8-70CE-4C19-8D7A-3D51F9CAB878}" dt="2023-09-06T08:49:35.722" v="1" actId="5736"/>
+          <ac:spMkLst>
+            <pc:docMk/>
+            <pc:sldMk cId="827456423" sldId="261"/>
+            <ac:spMk id="22" creationId="{536EF536-1AA0-4154-5334-CE75F7C6AA73}"/>
+          </ac:spMkLst>
+        </pc:spChg>
+        <pc:spChg chg="mod">
+          <ac:chgData name="Chia-jung Yeh" userId="f328d6f4-0757-42dc-943f-c4685e047ee8" providerId="ADAL" clId="{6FA124D8-70CE-4C19-8D7A-3D51F9CAB878}" dt="2023-09-06T08:49:35.722" v="1" actId="5736"/>
+          <ac:spMkLst>
+            <pc:docMk/>
+            <pc:sldMk cId="827456423" sldId="261"/>
+            <ac:spMk id="23" creationId="{CE6B5535-F93C-41F7-F1F3-97E3A669DD7A}"/>
+          </ac:spMkLst>
+        </pc:spChg>
+        <pc:spChg chg="mod">
+          <ac:chgData name="Chia-jung Yeh" userId="f328d6f4-0757-42dc-943f-c4685e047ee8" providerId="ADAL" clId="{6FA124D8-70CE-4C19-8D7A-3D51F9CAB878}" dt="2023-09-06T08:49:35.722" v="1" actId="5736"/>
+          <ac:spMkLst>
+            <pc:docMk/>
+            <pc:sldMk cId="827456423" sldId="261"/>
+            <ac:spMk id="24" creationId="{45898003-53A5-BEB1-6A4D-E8AF400454FB}"/>
+          </ac:spMkLst>
+        </pc:spChg>
+        <pc:spChg chg="mod">
+          <ac:chgData name="Chia-jung Yeh" userId="f328d6f4-0757-42dc-943f-c4685e047ee8" providerId="ADAL" clId="{6FA124D8-70CE-4C19-8D7A-3D51F9CAB878}" dt="2023-09-06T08:49:35.722" v="1" actId="5736"/>
+          <ac:spMkLst>
+            <pc:docMk/>
+            <pc:sldMk cId="827456423" sldId="261"/>
+            <ac:spMk id="25" creationId="{CAED5C86-1FA9-A68B-A76A-F0327DD3FEC0}"/>
+          </ac:spMkLst>
+        </pc:spChg>
+        <pc:spChg chg="mod">
+          <ac:chgData name="Chia-jung Yeh" userId="f328d6f4-0757-42dc-943f-c4685e047ee8" providerId="ADAL" clId="{6FA124D8-70CE-4C19-8D7A-3D51F9CAB878}" dt="2023-09-06T08:49:35.722" v="1" actId="5736"/>
+          <ac:spMkLst>
+            <pc:docMk/>
+            <pc:sldMk cId="827456423" sldId="261"/>
+            <ac:spMk id="26" creationId="{53CB08E2-420E-C7E8-0385-56A151E183CC}"/>
+          </ac:spMkLst>
+        </pc:spChg>
+        <pc:spChg chg="mod">
+          <ac:chgData name="Chia-jung Yeh" userId="f328d6f4-0757-42dc-943f-c4685e047ee8" providerId="ADAL" clId="{6FA124D8-70CE-4C19-8D7A-3D51F9CAB878}" dt="2023-09-06T08:49:35.722" v="1" actId="5736"/>
+          <ac:spMkLst>
+            <pc:docMk/>
+            <pc:sldMk cId="827456423" sldId="261"/>
+            <ac:spMk id="34" creationId="{D8F37C54-C9E2-063C-95EB-F2D39EAAE02C}"/>
+          </ac:spMkLst>
+        </pc:spChg>
+        <pc:spChg chg="mod">
+          <ac:chgData name="Chia-jung Yeh" userId="f328d6f4-0757-42dc-943f-c4685e047ee8" providerId="ADAL" clId="{6FA124D8-70CE-4C19-8D7A-3D51F9CAB878}" dt="2023-09-06T08:49:35.722" v="1" actId="5736"/>
+          <ac:spMkLst>
+            <pc:docMk/>
+            <pc:sldMk cId="827456423" sldId="261"/>
+            <ac:spMk id="48" creationId="{160A7C4E-5A27-77FC-05EF-C0A5DB75ACA9}"/>
+          </ac:spMkLst>
+        </pc:spChg>
+        <pc:spChg chg="mod">
+          <ac:chgData name="Chia-jung Yeh" userId="f328d6f4-0757-42dc-943f-c4685e047ee8" providerId="ADAL" clId="{6FA124D8-70CE-4C19-8D7A-3D51F9CAB878}" dt="2023-09-06T08:49:35.722" v="1" actId="5736"/>
+          <ac:spMkLst>
+            <pc:docMk/>
+            <pc:sldMk cId="827456423" sldId="261"/>
+            <ac:spMk id="49" creationId="{402C3F02-F763-74A2-2B5C-EDDF21D10748}"/>
+          </ac:spMkLst>
+        </pc:spChg>
+        <pc:spChg chg="mod">
+          <ac:chgData name="Chia-jung Yeh" userId="f328d6f4-0757-42dc-943f-c4685e047ee8" providerId="ADAL" clId="{6FA124D8-70CE-4C19-8D7A-3D51F9CAB878}" dt="2023-09-06T08:49:35.722" v="1" actId="5736"/>
+          <ac:spMkLst>
+            <pc:docMk/>
+            <pc:sldMk cId="827456423" sldId="261"/>
+            <ac:spMk id="50" creationId="{310ABC4E-A47D-A20D-5143-23DCF2134A48}"/>
+          </ac:spMkLst>
+        </pc:spChg>
+        <pc:spChg chg="mod">
+          <ac:chgData name="Chia-jung Yeh" userId="f328d6f4-0757-42dc-943f-c4685e047ee8" providerId="ADAL" clId="{6FA124D8-70CE-4C19-8D7A-3D51F9CAB878}" dt="2023-09-06T08:49:35.722" v="1" actId="5736"/>
+          <ac:spMkLst>
+            <pc:docMk/>
+            <pc:sldMk cId="827456423" sldId="261"/>
+            <ac:spMk id="51" creationId="{E2C4E098-9BB5-9BF8-07C2-BB9D4BD67D9D}"/>
+          </ac:spMkLst>
+        </pc:spChg>
+        <pc:spChg chg="mod">
+          <ac:chgData name="Chia-jung Yeh" userId="f328d6f4-0757-42dc-943f-c4685e047ee8" providerId="ADAL" clId="{6FA124D8-70CE-4C19-8D7A-3D51F9CAB878}" dt="2023-09-06T08:49:35.722" v="1" actId="5736"/>
+          <ac:spMkLst>
+            <pc:docMk/>
+            <pc:sldMk cId="827456423" sldId="261"/>
+            <ac:spMk id="52" creationId="{36065DE5-136C-F252-3070-59D0E95FDA33}"/>
+          </ac:spMkLst>
+        </pc:spChg>
+        <pc:spChg chg="mod">
+          <ac:chgData name="Chia-jung Yeh" userId="f328d6f4-0757-42dc-943f-c4685e047ee8" providerId="ADAL" clId="{6FA124D8-70CE-4C19-8D7A-3D51F9CAB878}" dt="2023-09-06T08:49:35.722" v="1" actId="5736"/>
+          <ac:spMkLst>
+            <pc:docMk/>
+            <pc:sldMk cId="827456423" sldId="261"/>
+            <ac:spMk id="53" creationId="{AA6D9C70-4D1C-7B90-F2E9-882D0CCEF505}"/>
+          </ac:spMkLst>
+        </pc:spChg>
+        <pc:spChg chg="mod">
+          <ac:chgData name="Chia-jung Yeh" userId="f328d6f4-0757-42dc-943f-c4685e047ee8" providerId="ADAL" clId="{6FA124D8-70CE-4C19-8D7A-3D51F9CAB878}" dt="2023-09-06T08:49:35.722" v="1" actId="5736"/>
+          <ac:spMkLst>
+            <pc:docMk/>
+            <pc:sldMk cId="827456423" sldId="261"/>
+            <ac:spMk id="54" creationId="{58B493B9-6291-C8DB-631B-B2B73C956F13}"/>
+          </ac:spMkLst>
+        </pc:spChg>
+        <pc:spChg chg="mod">
+          <ac:chgData name="Chia-jung Yeh" userId="f328d6f4-0757-42dc-943f-c4685e047ee8" providerId="ADAL" clId="{6FA124D8-70CE-4C19-8D7A-3D51F9CAB878}" dt="2023-09-06T08:49:35.722" v="1" actId="5736"/>
+          <ac:spMkLst>
+            <pc:docMk/>
+            <pc:sldMk cId="827456423" sldId="261"/>
+            <ac:spMk id="55" creationId="{7C424E5B-19BB-F740-D43A-28CD3070303E}"/>
+          </ac:spMkLst>
+        </pc:spChg>
+        <pc:spChg chg="mod">
+          <ac:chgData name="Chia-jung Yeh" userId="f328d6f4-0757-42dc-943f-c4685e047ee8" providerId="ADAL" clId="{6FA124D8-70CE-4C19-8D7A-3D51F9CAB878}" dt="2023-09-06T08:49:35.722" v="1" actId="5736"/>
+          <ac:spMkLst>
+            <pc:docMk/>
+            <pc:sldMk cId="827456423" sldId="261"/>
+            <ac:spMk id="56" creationId="{94D9B0C6-FE34-1919-2C30-FE25F07F18D9}"/>
+          </ac:spMkLst>
+        </pc:spChg>
+        <pc:spChg chg="mod">
+          <ac:chgData name="Chia-jung Yeh" userId="f328d6f4-0757-42dc-943f-c4685e047ee8" providerId="ADAL" clId="{6FA124D8-70CE-4C19-8D7A-3D51F9CAB878}" dt="2023-09-06T08:49:35.722" v="1" actId="5736"/>
+          <ac:spMkLst>
+            <pc:docMk/>
+            <pc:sldMk cId="827456423" sldId="261"/>
+            <ac:spMk id="57" creationId="{E8F52EE8-C809-2EBF-AF81-EF4EC415E79D}"/>
+          </ac:spMkLst>
+        </pc:spChg>
+        <pc:spChg chg="mod">
+          <ac:chgData name="Chia-jung Yeh" userId="f328d6f4-0757-42dc-943f-c4685e047ee8" providerId="ADAL" clId="{6FA124D8-70CE-4C19-8D7A-3D51F9CAB878}" dt="2023-09-06T08:49:35.722" v="1" actId="5736"/>
+          <ac:spMkLst>
+            <pc:docMk/>
+            <pc:sldMk cId="827456423" sldId="261"/>
+            <ac:spMk id="58" creationId="{8DCDCDD9-9054-AE3E-38A6-6E4F431CB947}"/>
+          </ac:spMkLst>
+        </pc:spChg>
+        <pc:spChg chg="mod">
+          <ac:chgData name="Chia-jung Yeh" userId="f328d6f4-0757-42dc-943f-c4685e047ee8" providerId="ADAL" clId="{6FA124D8-70CE-4C19-8D7A-3D51F9CAB878}" dt="2023-09-06T08:49:35.722" v="1" actId="5736"/>
+          <ac:spMkLst>
+            <pc:docMk/>
+            <pc:sldMk cId="827456423" sldId="261"/>
+            <ac:spMk id="59" creationId="{E341AF01-EC2E-4D23-CF8B-51C40B162789}"/>
+          </ac:spMkLst>
+        </pc:spChg>
+        <pc:spChg chg="mod">
+          <ac:chgData name="Chia-jung Yeh" userId="f328d6f4-0757-42dc-943f-c4685e047ee8" providerId="ADAL" clId="{6FA124D8-70CE-4C19-8D7A-3D51F9CAB878}" dt="2023-09-06T08:49:35.722" v="1" actId="5736"/>
+          <ac:spMkLst>
+            <pc:docMk/>
+            <pc:sldMk cId="827456423" sldId="261"/>
+            <ac:spMk id="61" creationId="{C5A0E1F0-7692-4E25-BDD0-74373C26A873}"/>
+          </ac:spMkLst>
+        </pc:spChg>
+        <pc:spChg chg="mod">
+          <ac:chgData name="Chia-jung Yeh" userId="f328d6f4-0757-42dc-943f-c4685e047ee8" providerId="ADAL" clId="{6FA124D8-70CE-4C19-8D7A-3D51F9CAB878}" dt="2023-09-06T08:49:35.722" v="1" actId="5736"/>
+          <ac:spMkLst>
+            <pc:docMk/>
+            <pc:sldMk cId="827456423" sldId="261"/>
+            <ac:spMk id="62" creationId="{6C85B15B-4514-4A5F-E768-5942F9DE636C}"/>
+          </ac:spMkLst>
+        </pc:spChg>
+        <pc:spChg chg="mod">
+          <ac:chgData name="Chia-jung Yeh" userId="f328d6f4-0757-42dc-943f-c4685e047ee8" providerId="ADAL" clId="{6FA124D8-70CE-4C19-8D7A-3D51F9CAB878}" dt="2023-09-06T08:49:35.722" v="1" actId="5736"/>
+          <ac:spMkLst>
+            <pc:docMk/>
+            <pc:sldMk cId="827456423" sldId="261"/>
+            <ac:spMk id="63" creationId="{600FD54B-6BA5-89C5-3DAF-71122CFFC305}"/>
+          </ac:spMkLst>
+        </pc:spChg>
+        <pc:spChg chg="mod">
+          <ac:chgData name="Chia-jung Yeh" userId="f328d6f4-0757-42dc-943f-c4685e047ee8" providerId="ADAL" clId="{6FA124D8-70CE-4C19-8D7A-3D51F9CAB878}" dt="2023-09-06T08:49:35.722" v="1" actId="5736"/>
+          <ac:spMkLst>
+            <pc:docMk/>
+            <pc:sldMk cId="827456423" sldId="261"/>
+            <ac:spMk id="64" creationId="{F5A8D783-E102-C4A4-8CB9-6786065DE98A}"/>
+          </ac:spMkLst>
+        </pc:spChg>
+        <pc:spChg chg="mod">
+          <ac:chgData name="Chia-jung Yeh" userId="f328d6f4-0757-42dc-943f-c4685e047ee8" providerId="ADAL" clId="{6FA124D8-70CE-4C19-8D7A-3D51F9CAB878}" dt="2023-09-06T08:49:35.722" v="1" actId="5736"/>
+          <ac:spMkLst>
+            <pc:docMk/>
+            <pc:sldMk cId="827456423" sldId="261"/>
+            <ac:spMk id="65" creationId="{66CC0F0B-C31D-C870-A300-567642535152}"/>
+          </ac:spMkLst>
+        </pc:spChg>
+        <pc:spChg chg="mod">
+          <ac:chgData name="Chia-jung Yeh" userId="f328d6f4-0757-42dc-943f-c4685e047ee8" providerId="ADAL" clId="{6FA124D8-70CE-4C19-8D7A-3D51F9CAB878}" dt="2023-09-06T08:49:35.722" v="1" actId="5736"/>
+          <ac:spMkLst>
+            <pc:docMk/>
+            <pc:sldMk cId="827456423" sldId="261"/>
+            <ac:spMk id="66" creationId="{1A774E74-6B0C-8345-8279-6AF609B67072}"/>
+          </ac:spMkLst>
+        </pc:spChg>
+        <pc:spChg chg="mod">
+          <ac:chgData name="Chia-jung Yeh" userId="f328d6f4-0757-42dc-943f-c4685e047ee8" providerId="ADAL" clId="{6FA124D8-70CE-4C19-8D7A-3D51F9CAB878}" dt="2023-09-06T08:49:35.722" v="1" actId="5736"/>
+          <ac:spMkLst>
+            <pc:docMk/>
+            <pc:sldMk cId="827456423" sldId="261"/>
+            <ac:spMk id="67" creationId="{1006A181-2837-F48B-229A-5C891898C9F6}"/>
+          </ac:spMkLst>
+        </pc:spChg>
+        <pc:spChg chg="mod">
+          <ac:chgData name="Chia-jung Yeh" userId="f328d6f4-0757-42dc-943f-c4685e047ee8" providerId="ADAL" clId="{6FA124D8-70CE-4C19-8D7A-3D51F9CAB878}" dt="2023-09-06T08:49:35.722" v="1" actId="5736"/>
+          <ac:spMkLst>
+            <pc:docMk/>
+            <pc:sldMk cId="827456423" sldId="261"/>
+            <ac:spMk id="68" creationId="{923B877E-E21D-3126-9B39-D7CA4C5E0D26}"/>
+          </ac:spMkLst>
+        </pc:spChg>
+        <pc:spChg chg="mod">
+          <ac:chgData name="Chia-jung Yeh" userId="f328d6f4-0757-42dc-943f-c4685e047ee8" providerId="ADAL" clId="{6FA124D8-70CE-4C19-8D7A-3D51F9CAB878}" dt="2023-09-06T08:49:35.722" v="1" actId="5736"/>
+          <ac:spMkLst>
+            <pc:docMk/>
+            <pc:sldMk cId="827456423" sldId="261"/>
+            <ac:spMk id="69" creationId="{4C7DA9F3-41FB-288C-CB14-64D202856B2F}"/>
+          </ac:spMkLst>
+        </pc:spChg>
+        <pc:spChg chg="mod">
+          <ac:chgData name="Chia-jung Yeh" userId="f328d6f4-0757-42dc-943f-c4685e047ee8" providerId="ADAL" clId="{6FA124D8-70CE-4C19-8D7A-3D51F9CAB878}" dt="2023-09-06T08:49:35.722" v="1" actId="5736"/>
+          <ac:spMkLst>
+            <pc:docMk/>
+            <pc:sldMk cId="827456423" sldId="261"/>
+            <ac:spMk id="70" creationId="{B3A6AAEA-C49F-2102-622F-39EDF8D0FAD5}"/>
+          </ac:spMkLst>
+        </pc:spChg>
+        <pc:spChg chg="mod">
+          <ac:chgData name="Chia-jung Yeh" userId="f328d6f4-0757-42dc-943f-c4685e047ee8" providerId="ADAL" clId="{6FA124D8-70CE-4C19-8D7A-3D51F9CAB878}" dt="2023-09-06T08:49:35.722" v="1" actId="5736"/>
+          <ac:spMkLst>
+            <pc:docMk/>
+            <pc:sldMk cId="827456423" sldId="261"/>
+            <ac:spMk id="71" creationId="{4363C1AB-4ED9-D23C-1FCD-A1EA7A1A1D0D}"/>
+          </ac:spMkLst>
+        </pc:spChg>
+        <pc:spChg chg="mod">
+          <ac:chgData name="Chia-jung Yeh" userId="f328d6f4-0757-42dc-943f-c4685e047ee8" providerId="ADAL" clId="{6FA124D8-70CE-4C19-8D7A-3D51F9CAB878}" dt="2023-09-06T08:49:35.722" v="1" actId="5736"/>
+          <ac:spMkLst>
+            <pc:docMk/>
+            <pc:sldMk cId="827456423" sldId="261"/>
+            <ac:spMk id="72" creationId="{67549211-5B19-E1D5-12C3-BB64B1BE5FA6}"/>
+          </ac:spMkLst>
+        </pc:spChg>
+        <pc:spChg chg="mod">
+          <ac:chgData name="Chia-jung Yeh" userId="f328d6f4-0757-42dc-943f-c4685e047ee8" providerId="ADAL" clId="{6FA124D8-70CE-4C19-8D7A-3D51F9CAB878}" dt="2023-09-06T08:49:35.722" v="1" actId="5736"/>
+          <ac:spMkLst>
+            <pc:docMk/>
+            <pc:sldMk cId="827456423" sldId="261"/>
+            <ac:spMk id="73" creationId="{CFD54940-1346-C8B3-298A-FD1E67369FA0}"/>
+          </ac:spMkLst>
+        </pc:spChg>
+        <pc:spChg chg="mod">
+          <ac:chgData name="Chia-jung Yeh" userId="f328d6f4-0757-42dc-943f-c4685e047ee8" providerId="ADAL" clId="{6FA124D8-70CE-4C19-8D7A-3D51F9CAB878}" dt="2023-09-06T08:49:35.722" v="1" actId="5736"/>
+          <ac:spMkLst>
+            <pc:docMk/>
+            <pc:sldMk cId="827456423" sldId="261"/>
+            <ac:spMk id="74" creationId="{E587C4F5-3E5F-EBED-80F1-5540CA9F377D}"/>
+          </ac:spMkLst>
+        </pc:spChg>
+        <pc:spChg chg="mod">
+          <ac:chgData name="Chia-jung Yeh" userId="f328d6f4-0757-42dc-943f-c4685e047ee8" providerId="ADAL" clId="{6FA124D8-70CE-4C19-8D7A-3D51F9CAB878}" dt="2023-09-06T08:49:35.722" v="1" actId="5736"/>
+          <ac:spMkLst>
+            <pc:docMk/>
+            <pc:sldMk cId="827456423" sldId="261"/>
+            <ac:spMk id="75" creationId="{AA2178E3-76C3-B21E-F8EE-4180F3EF8F76}"/>
+          </ac:spMkLst>
+        </pc:spChg>
+        <pc:spChg chg="mod">
+          <ac:chgData name="Chia-jung Yeh" userId="f328d6f4-0757-42dc-943f-c4685e047ee8" providerId="ADAL" clId="{6FA124D8-70CE-4C19-8D7A-3D51F9CAB878}" dt="2023-09-06T08:49:35.722" v="1" actId="5736"/>
+          <ac:spMkLst>
+            <pc:docMk/>
+            <pc:sldMk cId="827456423" sldId="261"/>
+            <ac:spMk id="76" creationId="{B99E84B1-7340-1217-4457-8E921C3C0CBF}"/>
+          </ac:spMkLst>
+        </pc:spChg>
+        <pc:spChg chg="mod">
+          <ac:chgData name="Chia-jung Yeh" userId="f328d6f4-0757-42dc-943f-c4685e047ee8" providerId="ADAL" clId="{6FA124D8-70CE-4C19-8D7A-3D51F9CAB878}" dt="2023-09-06T08:49:35.722" v="1" actId="5736"/>
+          <ac:spMkLst>
+            <pc:docMk/>
+            <pc:sldMk cId="827456423" sldId="261"/>
+            <ac:spMk id="77" creationId="{71F9475D-F9D7-DF95-21EF-3149876842CE}"/>
+          </ac:spMkLst>
+        </pc:spChg>
+        <pc:spChg chg="mod">
+          <ac:chgData name="Chia-jung Yeh" userId="f328d6f4-0757-42dc-943f-c4685e047ee8" providerId="ADAL" clId="{6FA124D8-70CE-4C19-8D7A-3D51F9CAB878}" dt="2023-09-06T08:49:35.722" v="1" actId="5736"/>
+          <ac:spMkLst>
+            <pc:docMk/>
+            <pc:sldMk cId="827456423" sldId="261"/>
+            <ac:spMk id="79" creationId="{CD398368-B5CF-9BEC-2195-16DF46FB44B0}"/>
+          </ac:spMkLst>
+        </pc:spChg>
+        <pc:spChg chg="mod">
+          <ac:chgData name="Chia-jung Yeh" userId="f328d6f4-0757-42dc-943f-c4685e047ee8" providerId="ADAL" clId="{6FA124D8-70CE-4C19-8D7A-3D51F9CAB878}" dt="2023-09-06T08:49:35.722" v="1" actId="5736"/>
+          <ac:spMkLst>
+            <pc:docMk/>
+            <pc:sldMk cId="827456423" sldId="261"/>
+            <ac:spMk id="80" creationId="{D711594F-57C9-4DC1-5D72-A7FB91F101CA}"/>
+          </ac:spMkLst>
+        </pc:spChg>
+        <pc:spChg chg="mod">
+          <ac:chgData name="Chia-jung Yeh" userId="f328d6f4-0757-42dc-943f-c4685e047ee8" providerId="ADAL" clId="{6FA124D8-70CE-4C19-8D7A-3D51F9CAB878}" dt="2023-09-06T08:49:35.722" v="1" actId="5736"/>
+          <ac:spMkLst>
+            <pc:docMk/>
+            <pc:sldMk cId="827456423" sldId="261"/>
+            <ac:spMk id="81" creationId="{65B47FB8-DF36-A092-E6D3-562A77A8AA93}"/>
+          </ac:spMkLst>
+        </pc:spChg>
+        <pc:spChg chg="mod">
+          <ac:chgData name="Chia-jung Yeh" userId="f328d6f4-0757-42dc-943f-c4685e047ee8" providerId="ADAL" clId="{6FA124D8-70CE-4C19-8D7A-3D51F9CAB878}" dt="2023-09-06T08:49:35.722" v="1" actId="5736"/>
+          <ac:spMkLst>
+            <pc:docMk/>
+            <pc:sldMk cId="827456423" sldId="261"/>
+            <ac:spMk id="82" creationId="{9D90266E-537A-2FB6-BFED-25608F4A3B7B}"/>
+          </ac:spMkLst>
+        </pc:spChg>
+        <pc:spChg chg="mod">
+          <ac:chgData name="Chia-jung Yeh" userId="f328d6f4-0757-42dc-943f-c4685e047ee8" providerId="ADAL" clId="{6FA124D8-70CE-4C19-8D7A-3D51F9CAB878}" dt="2023-09-06T08:49:35.722" v="1" actId="5736"/>
+          <ac:spMkLst>
+            <pc:docMk/>
+            <pc:sldMk cId="827456423" sldId="261"/>
+            <ac:spMk id="83" creationId="{9718BE8D-F7B0-67D0-C001-F5FFAF64F4BF}"/>
+          </ac:spMkLst>
+        </pc:spChg>
+        <pc:spChg chg="mod">
+          <ac:chgData name="Chia-jung Yeh" userId="f328d6f4-0757-42dc-943f-c4685e047ee8" providerId="ADAL" clId="{6FA124D8-70CE-4C19-8D7A-3D51F9CAB878}" dt="2023-09-06T08:49:35.722" v="1" actId="5736"/>
+          <ac:spMkLst>
+            <pc:docMk/>
+            <pc:sldMk cId="827456423" sldId="261"/>
+            <ac:spMk id="84" creationId="{B55C2CCF-4205-8269-038E-90860D39F827}"/>
+          </ac:spMkLst>
+        </pc:spChg>
+        <pc:spChg chg="mod">
+          <ac:chgData name="Chia-jung Yeh" userId="f328d6f4-0757-42dc-943f-c4685e047ee8" providerId="ADAL" clId="{6FA124D8-70CE-4C19-8D7A-3D51F9CAB878}" dt="2023-09-06T08:49:35.722" v="1" actId="5736"/>
+          <ac:spMkLst>
+            <pc:docMk/>
+            <pc:sldMk cId="827456423" sldId="261"/>
+            <ac:spMk id="85" creationId="{12FF0D9B-E6C8-1C6B-C98E-B99BD147F75E}"/>
+          </ac:spMkLst>
+        </pc:spChg>
+        <pc:spChg chg="mod">
+          <ac:chgData name="Chia-jung Yeh" userId="f328d6f4-0757-42dc-943f-c4685e047ee8" providerId="ADAL" clId="{6FA124D8-70CE-4C19-8D7A-3D51F9CAB878}" dt="2023-09-06T08:49:35.722" v="1" actId="5736"/>
+          <ac:spMkLst>
+            <pc:docMk/>
+            <pc:sldMk cId="827456423" sldId="261"/>
+            <ac:spMk id="86" creationId="{F6ED8D45-7E21-9F3A-D648-7DB3FA1A354A}"/>
+          </ac:spMkLst>
+        </pc:spChg>
+        <pc:spChg chg="mod">
+          <ac:chgData name="Chia-jung Yeh" userId="f328d6f4-0757-42dc-943f-c4685e047ee8" providerId="ADAL" clId="{6FA124D8-70CE-4C19-8D7A-3D51F9CAB878}" dt="2023-09-06T08:49:35.722" v="1" actId="5736"/>
+          <ac:spMkLst>
+            <pc:docMk/>
+            <pc:sldMk cId="827456423" sldId="261"/>
+            <ac:spMk id="87" creationId="{4B810812-3A35-B21B-79A0-4F2154CE0EB7}"/>
+          </ac:spMkLst>
+        </pc:spChg>
+        <pc:spChg chg="mod">
+          <ac:chgData name="Chia-jung Yeh" userId="f328d6f4-0757-42dc-943f-c4685e047ee8" providerId="ADAL" clId="{6FA124D8-70CE-4C19-8D7A-3D51F9CAB878}" dt="2023-09-06T08:49:35.722" v="1" actId="5736"/>
+          <ac:spMkLst>
+            <pc:docMk/>
+            <pc:sldMk cId="827456423" sldId="261"/>
+            <ac:spMk id="88" creationId="{CA9F6912-3FCF-EF55-F01C-5D69035628F0}"/>
+          </ac:spMkLst>
+        </pc:spChg>
+        <pc:spChg chg="mod">
+          <ac:chgData name="Chia-jung Yeh" userId="f328d6f4-0757-42dc-943f-c4685e047ee8" providerId="ADAL" clId="{6FA124D8-70CE-4C19-8D7A-3D51F9CAB878}" dt="2023-09-06T08:49:35.722" v="1" actId="5736"/>
+          <ac:spMkLst>
+            <pc:docMk/>
+            <pc:sldMk cId="827456423" sldId="261"/>
+            <ac:spMk id="89" creationId="{7B1669E4-0755-661C-D14F-36AFFC8247EC}"/>
+          </ac:spMkLst>
+        </pc:spChg>
+        <pc:spChg chg="mod">
+          <ac:chgData name="Chia-jung Yeh" userId="f328d6f4-0757-42dc-943f-c4685e047ee8" providerId="ADAL" clId="{6FA124D8-70CE-4C19-8D7A-3D51F9CAB878}" dt="2023-09-06T08:49:35.722" v="1" actId="5736"/>
+          <ac:spMkLst>
+            <pc:docMk/>
+            <pc:sldMk cId="827456423" sldId="261"/>
+            <ac:spMk id="90" creationId="{A24A046A-C08D-7852-4007-67A0BEA78159}"/>
+          </ac:spMkLst>
+        </pc:spChg>
+        <pc:spChg chg="mod">
+          <ac:chgData name="Chia-jung Yeh" userId="f328d6f4-0757-42dc-943f-c4685e047ee8" providerId="ADAL" clId="{6FA124D8-70CE-4C19-8D7A-3D51F9CAB878}" dt="2023-09-06T08:49:35.722" v="1" actId="5736"/>
+          <ac:spMkLst>
+            <pc:docMk/>
+            <pc:sldMk cId="827456423" sldId="261"/>
+            <ac:spMk id="92" creationId="{3A1945E0-E2B5-93C5-EF59-EB392717D045}"/>
+          </ac:spMkLst>
+        </pc:spChg>
+        <pc:spChg chg="mod">
+          <ac:chgData name="Chia-jung Yeh" userId="f328d6f4-0757-42dc-943f-c4685e047ee8" providerId="ADAL" clId="{6FA124D8-70CE-4C19-8D7A-3D51F9CAB878}" dt="2023-09-06T08:49:35.722" v="1" actId="5736"/>
+          <ac:spMkLst>
+            <pc:docMk/>
+            <pc:sldMk cId="827456423" sldId="261"/>
+            <ac:spMk id="93" creationId="{18F89D14-E604-AFBA-5C87-2C33BD47CADC}"/>
+          </ac:spMkLst>
+        </pc:spChg>
+        <pc:spChg chg="mod">
+          <ac:chgData name="Chia-jung Yeh" userId="f328d6f4-0757-42dc-943f-c4685e047ee8" providerId="ADAL" clId="{6FA124D8-70CE-4C19-8D7A-3D51F9CAB878}" dt="2023-09-06T08:49:35.722" v="1" actId="5736"/>
+          <ac:spMkLst>
+            <pc:docMk/>
+            <pc:sldMk cId="827456423" sldId="261"/>
+            <ac:spMk id="94" creationId="{26AB967A-B359-2F53-01A3-B1A839C73BD1}"/>
+          </ac:spMkLst>
+        </pc:spChg>
+        <pc:spChg chg="mod">
+          <ac:chgData name="Chia-jung Yeh" userId="f328d6f4-0757-42dc-943f-c4685e047ee8" providerId="ADAL" clId="{6FA124D8-70CE-4C19-8D7A-3D51F9CAB878}" dt="2023-09-06T08:49:35.722" v="1" actId="5736"/>
+          <ac:spMkLst>
+            <pc:docMk/>
+            <pc:sldMk cId="827456423" sldId="261"/>
+            <ac:spMk id="95" creationId="{40955E67-FCE6-DB96-15AB-2252985FD57F}"/>
+          </ac:spMkLst>
+        </pc:spChg>
+        <pc:spChg chg="mod">
+          <ac:chgData name="Chia-jung Yeh" userId="f328d6f4-0757-42dc-943f-c4685e047ee8" providerId="ADAL" clId="{6FA124D8-70CE-4C19-8D7A-3D51F9CAB878}" dt="2023-09-06T08:49:35.722" v="1" actId="5736"/>
+          <ac:spMkLst>
+            <pc:docMk/>
+            <pc:sldMk cId="827456423" sldId="261"/>
+            <ac:spMk id="96" creationId="{76EBD601-901E-530B-1F7B-B7EC98A6EC53}"/>
+          </ac:spMkLst>
+        </pc:spChg>
+        <pc:spChg chg="mod">
+          <ac:chgData name="Chia-jung Yeh" userId="f328d6f4-0757-42dc-943f-c4685e047ee8" providerId="ADAL" clId="{6FA124D8-70CE-4C19-8D7A-3D51F9CAB878}" dt="2023-09-06T08:49:35.722" v="1" actId="5736"/>
+          <ac:spMkLst>
+            <pc:docMk/>
+            <pc:sldMk cId="827456423" sldId="261"/>
+            <ac:spMk id="97" creationId="{037A1FAE-364D-1DD4-2546-9A2111C0EBDB}"/>
+          </ac:spMkLst>
+        </pc:spChg>
+        <pc:spChg chg="mod">
+          <ac:chgData name="Chia-jung Yeh" userId="f328d6f4-0757-42dc-943f-c4685e047ee8" providerId="ADAL" clId="{6FA124D8-70CE-4C19-8D7A-3D51F9CAB878}" dt="2023-09-06T08:49:35.722" v="1" actId="5736"/>
+          <ac:spMkLst>
+            <pc:docMk/>
+            <pc:sldMk cId="827456423" sldId="261"/>
+            <ac:spMk id="98" creationId="{7A2C0BCA-B9CC-913F-A4EB-7A7049A22DD6}"/>
+          </ac:spMkLst>
+        </pc:spChg>
+        <pc:spChg chg="mod">
+          <ac:chgData name="Chia-jung Yeh" userId="f328d6f4-0757-42dc-943f-c4685e047ee8" providerId="ADAL" clId="{6FA124D8-70CE-4C19-8D7A-3D51F9CAB878}" dt="2023-09-06T08:49:35.722" v="1" actId="5736"/>
+          <ac:spMkLst>
+            <pc:docMk/>
+            <pc:sldMk cId="827456423" sldId="261"/>
+            <ac:spMk id="99" creationId="{BD8F4A2D-EE5F-A1F8-FB8C-401DA418D1A2}"/>
+          </ac:spMkLst>
+        </pc:spChg>
+        <pc:spChg chg="mod">
+          <ac:chgData name="Chia-jung Yeh" userId="f328d6f4-0757-42dc-943f-c4685e047ee8" providerId="ADAL" clId="{6FA124D8-70CE-4C19-8D7A-3D51F9CAB878}" dt="2023-09-06T08:49:35.722" v="1" actId="5736"/>
+          <ac:spMkLst>
+            <pc:docMk/>
+            <pc:sldMk cId="827456423" sldId="261"/>
+            <ac:spMk id="100" creationId="{03619280-7F85-1299-8B3C-6903E9709CFA}"/>
+          </ac:spMkLst>
+        </pc:spChg>
+        <pc:graphicFrameChg chg="mod">
+          <ac:chgData name="Chia-jung Yeh" userId="f328d6f4-0757-42dc-943f-c4685e047ee8" providerId="ADAL" clId="{6FA124D8-70CE-4C19-8D7A-3D51F9CAB878}" dt="2023-09-06T08:49:35.722" v="1" actId="5736"/>
+          <ac:graphicFrameMkLst>
+            <pc:docMk/>
+            <pc:sldMk cId="827456423" sldId="261"/>
+            <ac:graphicFrameMk id="158" creationId="{2352CB74-0104-B0DC-8A9C-80DCD933C11F}"/>
+          </ac:graphicFrameMkLst>
+        </pc:graphicFrameChg>
+        <pc:cxnChg chg="mod">
+          <ac:chgData name="Chia-jung Yeh" userId="f328d6f4-0757-42dc-943f-c4685e047ee8" providerId="ADAL" clId="{6FA124D8-70CE-4C19-8D7A-3D51F9CAB878}" dt="2023-09-06T08:49:35.722" v="1" actId="5736"/>
+          <ac:cxnSpMkLst>
+            <pc:docMk/>
+            <pc:sldMk cId="827456423" sldId="261"/>
+            <ac:cxnSpMk id="4" creationId="{F066D109-D98C-DF9F-BA01-2C8ACA54A517}"/>
+          </ac:cxnSpMkLst>
+        </pc:cxnChg>
+        <pc:cxnChg chg="mod">
+          <ac:chgData name="Chia-jung Yeh" userId="f328d6f4-0757-42dc-943f-c4685e047ee8" providerId="ADAL" clId="{6FA124D8-70CE-4C19-8D7A-3D51F9CAB878}" dt="2023-09-06T08:49:35.722" v="1" actId="5736"/>
+          <ac:cxnSpMkLst>
+            <pc:docMk/>
+            <pc:sldMk cId="827456423" sldId="261"/>
+            <ac:cxnSpMk id="5" creationId="{0CADA25D-51EF-1529-1E0D-D8D1AAC91749}"/>
+          </ac:cxnSpMkLst>
+        </pc:cxnChg>
+        <pc:cxnChg chg="mod">
+          <ac:chgData name="Chia-jung Yeh" userId="f328d6f4-0757-42dc-943f-c4685e047ee8" providerId="ADAL" clId="{6FA124D8-70CE-4C19-8D7A-3D51F9CAB878}" dt="2023-09-06T08:49:35.722" v="1" actId="5736"/>
+          <ac:cxnSpMkLst>
+            <pc:docMk/>
+            <pc:sldMk cId="827456423" sldId="261"/>
+            <ac:cxnSpMk id="8" creationId="{23C655D0-6EB0-9DBF-9188-D1E3792D3DF9}"/>
+          </ac:cxnSpMkLst>
+        </pc:cxnChg>
+        <pc:cxnChg chg="mod">
+          <ac:chgData name="Chia-jung Yeh" userId="f328d6f4-0757-42dc-943f-c4685e047ee8" providerId="ADAL" clId="{6FA124D8-70CE-4C19-8D7A-3D51F9CAB878}" dt="2023-09-06T08:49:35.722" v="1" actId="5736"/>
+          <ac:cxnSpMkLst>
+            <pc:docMk/>
+            <pc:sldMk cId="827456423" sldId="261"/>
+            <ac:cxnSpMk id="10" creationId="{5D07686A-8E76-6219-6607-6FCFFD6A8FC2}"/>
+          </ac:cxnSpMkLst>
+        </pc:cxnChg>
+        <pc:cxnChg chg="mod">
+          <ac:chgData name="Chia-jung Yeh" userId="f328d6f4-0757-42dc-943f-c4685e047ee8" providerId="ADAL" clId="{6FA124D8-70CE-4C19-8D7A-3D51F9CAB878}" dt="2023-09-06T08:49:35.722" v="1" actId="5736"/>
+          <ac:cxnSpMkLst>
+            <pc:docMk/>
+            <pc:sldMk cId="827456423" sldId="261"/>
+            <ac:cxnSpMk id="11" creationId="{390B8D41-BF1B-AA8D-8D09-10FBD970504B}"/>
+          </ac:cxnSpMkLst>
+        </pc:cxnChg>
+        <pc:cxnChg chg="mod">
+          <ac:chgData name="Chia-jung Yeh" userId="f328d6f4-0757-42dc-943f-c4685e047ee8" providerId="ADAL" clId="{6FA124D8-70CE-4C19-8D7A-3D51F9CAB878}" dt="2023-09-06T08:49:35.722" v="1" actId="5736"/>
+          <ac:cxnSpMkLst>
+            <pc:docMk/>
+            <pc:sldMk cId="827456423" sldId="261"/>
+            <ac:cxnSpMk id="12" creationId="{EC7F4D87-AA95-1EF0-85E3-70C054466CC4}"/>
+          </ac:cxnSpMkLst>
+        </pc:cxnChg>
+      </pc:sldChg>
+      <pc:sldChg chg="modSp">
+        <pc:chgData name="Chia-jung Yeh" userId="f328d6f4-0757-42dc-943f-c4685e047ee8" providerId="ADAL" clId="{6FA124D8-70CE-4C19-8D7A-3D51F9CAB878}" dt="2023-09-06T09:04:52.117" v="2" actId="5736"/>
+        <pc:sldMkLst>
+          <pc:docMk/>
+          <pc:sldMk cId="2428409970" sldId="262"/>
+        </pc:sldMkLst>
+        <pc:spChg chg="mod">
+          <ac:chgData name="Chia-jung Yeh" userId="f328d6f4-0757-42dc-943f-c4685e047ee8" providerId="ADAL" clId="{6FA124D8-70CE-4C19-8D7A-3D51F9CAB878}" dt="2023-09-06T09:04:52.117" v="2" actId="5736"/>
+          <ac:spMkLst>
+            <pc:docMk/>
+            <pc:sldMk cId="2428409970" sldId="262"/>
+            <ac:spMk id="2" creationId="{34F111C9-CAC9-65CD-11F9-F28AE48AB7D6}"/>
+          </ac:spMkLst>
+        </pc:spChg>
+        <pc:spChg chg="mod">
+          <ac:chgData name="Chia-jung Yeh" userId="f328d6f4-0757-42dc-943f-c4685e047ee8" providerId="ADAL" clId="{6FA124D8-70CE-4C19-8D7A-3D51F9CAB878}" dt="2023-09-06T09:04:52.117" v="2" actId="5736"/>
+          <ac:spMkLst>
+            <pc:docMk/>
+            <pc:sldMk cId="2428409970" sldId="262"/>
+            <ac:spMk id="3" creationId="{14D43459-6913-2CC9-9CD1-E3AAB66C457E}"/>
+          </ac:spMkLst>
+        </pc:spChg>
+        <pc:spChg chg="mod">
+          <ac:chgData name="Chia-jung Yeh" userId="f328d6f4-0757-42dc-943f-c4685e047ee8" providerId="ADAL" clId="{6FA124D8-70CE-4C19-8D7A-3D51F9CAB878}" dt="2023-09-06T09:04:52.117" v="2" actId="5736"/>
+          <ac:spMkLst>
+            <pc:docMk/>
+            <pc:sldMk cId="2428409970" sldId="262"/>
+            <ac:spMk id="9" creationId="{8CB16710-8F8D-D283-A89C-50AD31ADAE93}"/>
+          </ac:spMkLst>
+        </pc:spChg>
+        <pc:spChg chg="mod">
+          <ac:chgData name="Chia-jung Yeh" userId="f328d6f4-0757-42dc-943f-c4685e047ee8" providerId="ADAL" clId="{6FA124D8-70CE-4C19-8D7A-3D51F9CAB878}" dt="2023-09-06T09:04:52.117" v="2" actId="5736"/>
+          <ac:spMkLst>
+            <pc:docMk/>
+            <pc:sldMk cId="2428409970" sldId="262"/>
+            <ac:spMk id="13" creationId="{555C728A-3B82-A71B-54EE-8ECBE8223835}"/>
+          </ac:spMkLst>
+        </pc:spChg>
+        <pc:spChg chg="mod">
+          <ac:chgData name="Chia-jung Yeh" userId="f328d6f4-0757-42dc-943f-c4685e047ee8" providerId="ADAL" clId="{6FA124D8-70CE-4C19-8D7A-3D51F9CAB878}" dt="2023-09-06T09:04:52.117" v="2" actId="5736"/>
+          <ac:spMkLst>
+            <pc:docMk/>
+            <pc:sldMk cId="2428409970" sldId="262"/>
+            <ac:spMk id="14" creationId="{6C3256A5-DCCF-A0CC-7574-283CA1D8EFD6}"/>
+          </ac:spMkLst>
+        </pc:spChg>
+        <pc:spChg chg="mod">
+          <ac:chgData name="Chia-jung Yeh" userId="f328d6f4-0757-42dc-943f-c4685e047ee8" providerId="ADAL" clId="{6FA124D8-70CE-4C19-8D7A-3D51F9CAB878}" dt="2023-09-06T09:04:52.117" v="2" actId="5736"/>
+          <ac:spMkLst>
+            <pc:docMk/>
+            <pc:sldMk cId="2428409970" sldId="262"/>
+            <ac:spMk id="15" creationId="{30845310-883C-0AEB-9636-2081AA415A64}"/>
+          </ac:spMkLst>
+        </pc:spChg>
+        <pc:spChg chg="mod">
+          <ac:chgData name="Chia-jung Yeh" userId="f328d6f4-0757-42dc-943f-c4685e047ee8" providerId="ADAL" clId="{6FA124D8-70CE-4C19-8D7A-3D51F9CAB878}" dt="2023-09-06T09:04:52.117" v="2" actId="5736"/>
+          <ac:spMkLst>
+            <pc:docMk/>
+            <pc:sldMk cId="2428409970" sldId="262"/>
+            <ac:spMk id="16" creationId="{B9330359-A94B-E517-C6DA-6C5ED067ABF9}"/>
+          </ac:spMkLst>
+        </pc:spChg>
+        <pc:spChg chg="mod">
+          <ac:chgData name="Chia-jung Yeh" userId="f328d6f4-0757-42dc-943f-c4685e047ee8" providerId="ADAL" clId="{6FA124D8-70CE-4C19-8D7A-3D51F9CAB878}" dt="2023-09-06T09:04:52.117" v="2" actId="5736"/>
+          <ac:spMkLst>
+            <pc:docMk/>
+            <pc:sldMk cId="2428409970" sldId="262"/>
+            <ac:spMk id="17" creationId="{09F43BC2-A37F-E1AA-44B9-BF19CBDF3630}"/>
+          </ac:spMkLst>
+        </pc:spChg>
+        <pc:spChg chg="mod">
+          <ac:chgData name="Chia-jung Yeh" userId="f328d6f4-0757-42dc-943f-c4685e047ee8" providerId="ADAL" clId="{6FA124D8-70CE-4C19-8D7A-3D51F9CAB878}" dt="2023-09-06T09:04:52.117" v="2" actId="5736"/>
+          <ac:spMkLst>
+            <pc:docMk/>
+            <pc:sldMk cId="2428409970" sldId="262"/>
+            <ac:spMk id="18" creationId="{2EDCBF11-3AE0-A0B3-863C-D0108847E138}"/>
+          </ac:spMkLst>
+        </pc:spChg>
+        <pc:spChg chg="mod">
+          <ac:chgData name="Chia-jung Yeh" userId="f328d6f4-0757-42dc-943f-c4685e047ee8" providerId="ADAL" clId="{6FA124D8-70CE-4C19-8D7A-3D51F9CAB878}" dt="2023-09-06T09:04:52.117" v="2" actId="5736"/>
+          <ac:spMkLst>
+            <pc:docMk/>
+            <pc:sldMk cId="2428409970" sldId="262"/>
+            <ac:spMk id="19" creationId="{CB320B24-24CB-C02F-D1F4-E8492BAB38A6}"/>
+          </ac:spMkLst>
+        </pc:spChg>
+        <pc:spChg chg="mod">
+          <ac:chgData name="Chia-jung Yeh" userId="f328d6f4-0757-42dc-943f-c4685e047ee8" providerId="ADAL" clId="{6FA124D8-70CE-4C19-8D7A-3D51F9CAB878}" dt="2023-09-06T09:04:52.117" v="2" actId="5736"/>
+          <ac:spMkLst>
+            <pc:docMk/>
+            <pc:sldMk cId="2428409970" sldId="262"/>
+            <ac:spMk id="20" creationId="{1D232A28-DF4E-A319-16A3-4729A02A612F}"/>
+          </ac:spMkLst>
+        </pc:spChg>
+        <pc:spChg chg="mod">
+          <ac:chgData name="Chia-jung Yeh" userId="f328d6f4-0757-42dc-943f-c4685e047ee8" providerId="ADAL" clId="{6FA124D8-70CE-4C19-8D7A-3D51F9CAB878}" dt="2023-09-06T09:04:52.117" v="2" actId="5736"/>
+          <ac:spMkLst>
+            <pc:docMk/>
+            <pc:sldMk cId="2428409970" sldId="262"/>
+            <ac:spMk id="21" creationId="{9E80E500-2E77-CAB4-149C-CD0505012469}"/>
+          </ac:spMkLst>
+        </pc:spChg>
+        <pc:spChg chg="mod">
+          <ac:chgData name="Chia-jung Yeh" userId="f328d6f4-0757-42dc-943f-c4685e047ee8" providerId="ADAL" clId="{6FA124D8-70CE-4C19-8D7A-3D51F9CAB878}" dt="2023-09-06T09:04:52.117" v="2" actId="5736"/>
+          <ac:spMkLst>
+            <pc:docMk/>
+            <pc:sldMk cId="2428409970" sldId="262"/>
+            <ac:spMk id="22" creationId="{536EF536-1AA0-4154-5334-CE75F7C6AA73}"/>
+          </ac:spMkLst>
+        </pc:spChg>
+        <pc:spChg chg="mod">
+          <ac:chgData name="Chia-jung Yeh" userId="f328d6f4-0757-42dc-943f-c4685e047ee8" providerId="ADAL" clId="{6FA124D8-70CE-4C19-8D7A-3D51F9CAB878}" dt="2023-09-06T09:04:52.117" v="2" actId="5736"/>
+          <ac:spMkLst>
+            <pc:docMk/>
+            <pc:sldMk cId="2428409970" sldId="262"/>
+            <ac:spMk id="23" creationId="{CE6B5535-F93C-41F7-F1F3-97E3A669DD7A}"/>
+          </ac:spMkLst>
+        </pc:spChg>
+        <pc:spChg chg="mod">
+          <ac:chgData name="Chia-jung Yeh" userId="f328d6f4-0757-42dc-943f-c4685e047ee8" providerId="ADAL" clId="{6FA124D8-70CE-4C19-8D7A-3D51F9CAB878}" dt="2023-09-06T09:04:52.117" v="2" actId="5736"/>
+          <ac:spMkLst>
+            <pc:docMk/>
+            <pc:sldMk cId="2428409970" sldId="262"/>
+            <ac:spMk id="24" creationId="{45898003-53A5-BEB1-6A4D-E8AF400454FB}"/>
+          </ac:spMkLst>
+        </pc:spChg>
+        <pc:spChg chg="mod">
+          <ac:chgData name="Chia-jung Yeh" userId="f328d6f4-0757-42dc-943f-c4685e047ee8" providerId="ADAL" clId="{6FA124D8-70CE-4C19-8D7A-3D51F9CAB878}" dt="2023-09-06T09:04:52.117" v="2" actId="5736"/>
+          <ac:spMkLst>
+            <pc:docMk/>
+            <pc:sldMk cId="2428409970" sldId="262"/>
+            <ac:spMk id="25" creationId="{CAED5C86-1FA9-A68B-A76A-F0327DD3FEC0}"/>
+          </ac:spMkLst>
+        </pc:spChg>
+        <pc:spChg chg="mod">
+          <ac:chgData name="Chia-jung Yeh" userId="f328d6f4-0757-42dc-943f-c4685e047ee8" providerId="ADAL" clId="{6FA124D8-70CE-4C19-8D7A-3D51F9CAB878}" dt="2023-09-06T09:04:52.117" v="2" actId="5736"/>
+          <ac:spMkLst>
+            <pc:docMk/>
+            <pc:sldMk cId="2428409970" sldId="262"/>
+            <ac:spMk id="26" creationId="{53CB08E2-420E-C7E8-0385-56A151E183CC}"/>
+          </ac:spMkLst>
+        </pc:spChg>
+        <pc:spChg chg="mod">
+          <ac:chgData name="Chia-jung Yeh" userId="f328d6f4-0757-42dc-943f-c4685e047ee8" providerId="ADAL" clId="{6FA124D8-70CE-4C19-8D7A-3D51F9CAB878}" dt="2023-09-06T09:04:52.117" v="2" actId="5736"/>
+          <ac:spMkLst>
+            <pc:docMk/>
+            <pc:sldMk cId="2428409970" sldId="262"/>
+            <ac:spMk id="30" creationId="{459B7325-9CC7-5FF6-56C8-FA32A4B01A56}"/>
+          </ac:spMkLst>
+        </pc:spChg>
+        <pc:spChg chg="mod">
+          <ac:chgData name="Chia-jung Yeh" userId="f328d6f4-0757-42dc-943f-c4685e047ee8" providerId="ADAL" clId="{6FA124D8-70CE-4C19-8D7A-3D51F9CAB878}" dt="2023-09-06T09:04:52.117" v="2" actId="5736"/>
+          <ac:spMkLst>
+            <pc:docMk/>
+            <pc:sldMk cId="2428409970" sldId="262"/>
+            <ac:spMk id="31" creationId="{D557D75F-806D-BBE1-885F-3C5F08A80EDD}"/>
+          </ac:spMkLst>
+        </pc:spChg>
+        <pc:spChg chg="mod">
+          <ac:chgData name="Chia-jung Yeh" userId="f328d6f4-0757-42dc-943f-c4685e047ee8" providerId="ADAL" clId="{6FA124D8-70CE-4C19-8D7A-3D51F9CAB878}" dt="2023-09-06T09:04:52.117" v="2" actId="5736"/>
+          <ac:spMkLst>
+            <pc:docMk/>
+            <pc:sldMk cId="2428409970" sldId="262"/>
+            <ac:spMk id="32" creationId="{DD57FB4F-6B92-A4B3-927D-673441B96D24}"/>
+          </ac:spMkLst>
+        </pc:spChg>
+        <pc:spChg chg="mod">
+          <ac:chgData name="Chia-jung Yeh" userId="f328d6f4-0757-42dc-943f-c4685e047ee8" providerId="ADAL" clId="{6FA124D8-70CE-4C19-8D7A-3D51F9CAB878}" dt="2023-09-06T09:04:52.117" v="2" actId="5736"/>
+          <ac:spMkLst>
+            <pc:docMk/>
+            <pc:sldMk cId="2428409970" sldId="262"/>
+            <ac:spMk id="33" creationId="{84E90F40-B693-9A94-9984-9A3C7AC63E53}"/>
+          </ac:spMkLst>
+        </pc:spChg>
+        <pc:spChg chg="mod">
+          <ac:chgData name="Chia-jung Yeh" userId="f328d6f4-0757-42dc-943f-c4685e047ee8" providerId="ADAL" clId="{6FA124D8-70CE-4C19-8D7A-3D51F9CAB878}" dt="2023-09-06T09:04:52.117" v="2" actId="5736"/>
+          <ac:spMkLst>
+            <pc:docMk/>
+            <pc:sldMk cId="2428409970" sldId="262"/>
+            <ac:spMk id="34" creationId="{D8F37C54-C9E2-063C-95EB-F2D39EAAE02C}"/>
+          </ac:spMkLst>
+        </pc:spChg>
+        <pc:spChg chg="mod">
+          <ac:chgData name="Chia-jung Yeh" userId="f328d6f4-0757-42dc-943f-c4685e047ee8" providerId="ADAL" clId="{6FA124D8-70CE-4C19-8D7A-3D51F9CAB878}" dt="2023-09-06T09:04:52.117" v="2" actId="5736"/>
+          <ac:spMkLst>
+            <pc:docMk/>
+            <pc:sldMk cId="2428409970" sldId="262"/>
+            <ac:spMk id="42" creationId="{1C8670CD-97DD-4519-B104-8BD2DFA463B5}"/>
+          </ac:spMkLst>
+        </pc:spChg>
+        <pc:spChg chg="mod">
+          <ac:chgData name="Chia-jung Yeh" userId="f328d6f4-0757-42dc-943f-c4685e047ee8" providerId="ADAL" clId="{6FA124D8-70CE-4C19-8D7A-3D51F9CAB878}" dt="2023-09-06T09:04:52.117" v="2" actId="5736"/>
+          <ac:spMkLst>
+            <pc:docMk/>
+            <pc:sldMk cId="2428409970" sldId="262"/>
+            <ac:spMk id="48" creationId="{160A7C4E-5A27-77FC-05EF-C0A5DB75ACA9}"/>
+          </ac:spMkLst>
+        </pc:spChg>
+        <pc:spChg chg="mod">
+          <ac:chgData name="Chia-jung Yeh" userId="f328d6f4-0757-42dc-943f-c4685e047ee8" providerId="ADAL" clId="{6FA124D8-70CE-4C19-8D7A-3D51F9CAB878}" dt="2023-09-06T09:04:52.117" v="2" actId="5736"/>
+          <ac:spMkLst>
+            <pc:docMk/>
+            <pc:sldMk cId="2428409970" sldId="262"/>
+            <ac:spMk id="49" creationId="{402C3F02-F763-74A2-2B5C-EDDF21D10748}"/>
+          </ac:spMkLst>
+        </pc:spChg>
+        <pc:spChg chg="mod">
+          <ac:chgData name="Chia-jung Yeh" userId="f328d6f4-0757-42dc-943f-c4685e047ee8" providerId="ADAL" clId="{6FA124D8-70CE-4C19-8D7A-3D51F9CAB878}" dt="2023-09-06T09:04:52.117" v="2" actId="5736"/>
+          <ac:spMkLst>
+            <pc:docMk/>
+            <pc:sldMk cId="2428409970" sldId="262"/>
+            <ac:spMk id="50" creationId="{310ABC4E-A47D-A20D-5143-23DCF2134A48}"/>
+          </ac:spMkLst>
+        </pc:spChg>
+        <pc:spChg chg="mod">
+          <ac:chgData name="Chia-jung Yeh" userId="f328d6f4-0757-42dc-943f-c4685e047ee8" providerId="ADAL" clId="{6FA124D8-70CE-4C19-8D7A-3D51F9CAB878}" dt="2023-09-06T09:04:52.117" v="2" actId="5736"/>
+          <ac:spMkLst>
+            <pc:docMk/>
+            <pc:sldMk cId="2428409970" sldId="262"/>
+            <ac:spMk id="51" creationId="{E2C4E098-9BB5-9BF8-07C2-BB9D4BD67D9D}"/>
+          </ac:spMkLst>
+        </pc:spChg>
+        <pc:spChg chg="mod">
+          <ac:chgData name="Chia-jung Yeh" userId="f328d6f4-0757-42dc-943f-c4685e047ee8" providerId="ADAL" clId="{6FA124D8-70CE-4C19-8D7A-3D51F9CAB878}" dt="2023-09-06T09:04:52.117" v="2" actId="5736"/>
+          <ac:spMkLst>
+            <pc:docMk/>
+            <pc:sldMk cId="2428409970" sldId="262"/>
+            <ac:spMk id="52" creationId="{36065DE5-136C-F252-3070-59D0E95FDA33}"/>
+          </ac:spMkLst>
+        </pc:spChg>
+        <pc:spChg chg="mod">
+          <ac:chgData name="Chia-jung Yeh" userId="f328d6f4-0757-42dc-943f-c4685e047ee8" providerId="ADAL" clId="{6FA124D8-70CE-4C19-8D7A-3D51F9CAB878}" dt="2023-09-06T09:04:52.117" v="2" actId="5736"/>
+          <ac:spMkLst>
+            <pc:docMk/>
+            <pc:sldMk cId="2428409970" sldId="262"/>
+            <ac:spMk id="53" creationId="{AA6D9C70-4D1C-7B90-F2E9-882D0CCEF505}"/>
+          </ac:spMkLst>
+        </pc:spChg>
+        <pc:spChg chg="mod">
+          <ac:chgData name="Chia-jung Yeh" userId="f328d6f4-0757-42dc-943f-c4685e047ee8" providerId="ADAL" clId="{6FA124D8-70CE-4C19-8D7A-3D51F9CAB878}" dt="2023-09-06T09:04:52.117" v="2" actId="5736"/>
+          <ac:spMkLst>
+            <pc:docMk/>
+            <pc:sldMk cId="2428409970" sldId="262"/>
+            <ac:spMk id="54" creationId="{58B493B9-6291-C8DB-631B-B2B73C956F13}"/>
+          </ac:spMkLst>
+        </pc:spChg>
+        <pc:spChg chg="mod">
+          <ac:chgData name="Chia-jung Yeh" userId="f328d6f4-0757-42dc-943f-c4685e047ee8" providerId="ADAL" clId="{6FA124D8-70CE-4C19-8D7A-3D51F9CAB878}" dt="2023-09-06T09:04:52.117" v="2" actId="5736"/>
+          <ac:spMkLst>
+            <pc:docMk/>
+            <pc:sldMk cId="2428409970" sldId="262"/>
+            <ac:spMk id="55" creationId="{7C424E5B-19BB-F740-D43A-28CD3070303E}"/>
+          </ac:spMkLst>
+        </pc:spChg>
+        <pc:spChg chg="mod">
+          <ac:chgData name="Chia-jung Yeh" userId="f328d6f4-0757-42dc-943f-c4685e047ee8" providerId="ADAL" clId="{6FA124D8-70CE-4C19-8D7A-3D51F9CAB878}" dt="2023-09-06T09:04:52.117" v="2" actId="5736"/>
+          <ac:spMkLst>
+            <pc:docMk/>
+            <pc:sldMk cId="2428409970" sldId="262"/>
+            <ac:spMk id="56" creationId="{94D9B0C6-FE34-1919-2C30-FE25F07F18D9}"/>
+          </ac:spMkLst>
+        </pc:spChg>
+        <pc:spChg chg="mod">
+          <ac:chgData name="Chia-jung Yeh" userId="f328d6f4-0757-42dc-943f-c4685e047ee8" providerId="ADAL" clId="{6FA124D8-70CE-4C19-8D7A-3D51F9CAB878}" dt="2023-09-06T09:04:52.117" v="2" actId="5736"/>
+          <ac:spMkLst>
+            <pc:docMk/>
+            <pc:sldMk cId="2428409970" sldId="262"/>
+            <ac:spMk id="57" creationId="{E8F52EE8-C809-2EBF-AF81-EF4EC415E79D}"/>
+          </ac:spMkLst>
+        </pc:spChg>
+        <pc:spChg chg="mod">
+          <ac:chgData name="Chia-jung Yeh" userId="f328d6f4-0757-42dc-943f-c4685e047ee8" providerId="ADAL" clId="{6FA124D8-70CE-4C19-8D7A-3D51F9CAB878}" dt="2023-09-06T09:04:52.117" v="2" actId="5736"/>
+          <ac:spMkLst>
+            <pc:docMk/>
+            <pc:sldMk cId="2428409970" sldId="262"/>
+            <ac:spMk id="58" creationId="{8DCDCDD9-9054-AE3E-38A6-6E4F431CB947}"/>
+          </ac:spMkLst>
+        </pc:spChg>
+        <pc:spChg chg="mod">
+          <ac:chgData name="Chia-jung Yeh" userId="f328d6f4-0757-42dc-943f-c4685e047ee8" providerId="ADAL" clId="{6FA124D8-70CE-4C19-8D7A-3D51F9CAB878}" dt="2023-09-06T09:04:52.117" v="2" actId="5736"/>
+          <ac:spMkLst>
+            <pc:docMk/>
+            <pc:sldMk cId="2428409970" sldId="262"/>
+            <ac:spMk id="59" creationId="{E341AF01-EC2E-4D23-CF8B-51C40B162789}"/>
+          </ac:spMkLst>
+        </pc:spChg>
+        <pc:spChg chg="mod">
+          <ac:chgData name="Chia-jung Yeh" userId="f328d6f4-0757-42dc-943f-c4685e047ee8" providerId="ADAL" clId="{6FA124D8-70CE-4C19-8D7A-3D51F9CAB878}" dt="2023-09-06T09:04:52.117" v="2" actId="5736"/>
+          <ac:spMkLst>
+            <pc:docMk/>
+            <pc:sldMk cId="2428409970" sldId="262"/>
+            <ac:spMk id="61" creationId="{C5A0E1F0-7692-4E25-BDD0-74373C26A873}"/>
+          </ac:spMkLst>
+        </pc:spChg>
+        <pc:spChg chg="mod">
+          <ac:chgData name="Chia-jung Yeh" userId="f328d6f4-0757-42dc-943f-c4685e047ee8" providerId="ADAL" clId="{6FA124D8-70CE-4C19-8D7A-3D51F9CAB878}" dt="2023-09-06T09:04:52.117" v="2" actId="5736"/>
+          <ac:spMkLst>
+            <pc:docMk/>
+            <pc:sldMk cId="2428409970" sldId="262"/>
+            <ac:spMk id="62" creationId="{6C85B15B-4514-4A5F-E768-5942F9DE636C}"/>
+          </ac:spMkLst>
+        </pc:spChg>
+        <pc:spChg chg="mod">
+          <ac:chgData name="Chia-jung Yeh" userId="f328d6f4-0757-42dc-943f-c4685e047ee8" providerId="ADAL" clId="{6FA124D8-70CE-4C19-8D7A-3D51F9CAB878}" dt="2023-09-06T09:04:52.117" v="2" actId="5736"/>
+          <ac:spMkLst>
+            <pc:docMk/>
+            <pc:sldMk cId="2428409970" sldId="262"/>
+            <ac:spMk id="63" creationId="{600FD54B-6BA5-89C5-3DAF-71122CFFC305}"/>
+          </ac:spMkLst>
+        </pc:spChg>
+        <pc:spChg chg="mod">
+          <ac:chgData name="Chia-jung Yeh" userId="f328d6f4-0757-42dc-943f-c4685e047ee8" providerId="ADAL" clId="{6FA124D8-70CE-4C19-8D7A-3D51F9CAB878}" dt="2023-09-06T09:04:52.117" v="2" actId="5736"/>
+          <ac:spMkLst>
+            <pc:docMk/>
+            <pc:sldMk cId="2428409970" sldId="262"/>
+            <ac:spMk id="64" creationId="{F5A8D783-E102-C4A4-8CB9-6786065DE98A}"/>
+          </ac:spMkLst>
+        </pc:spChg>
+        <pc:spChg chg="mod">
+          <ac:chgData name="Chia-jung Yeh" userId="f328d6f4-0757-42dc-943f-c4685e047ee8" providerId="ADAL" clId="{6FA124D8-70CE-4C19-8D7A-3D51F9CAB878}" dt="2023-09-06T09:04:52.117" v="2" actId="5736"/>
+          <ac:spMkLst>
+            <pc:docMk/>
+            <pc:sldMk cId="2428409970" sldId="262"/>
+            <ac:spMk id="65" creationId="{66CC0F0B-C31D-C870-A300-567642535152}"/>
+          </ac:spMkLst>
+        </pc:spChg>
+        <pc:spChg chg="mod">
+          <ac:chgData name="Chia-jung Yeh" userId="f328d6f4-0757-42dc-943f-c4685e047ee8" providerId="ADAL" clId="{6FA124D8-70CE-4C19-8D7A-3D51F9CAB878}" dt="2023-09-06T09:04:52.117" v="2" actId="5736"/>
+          <ac:spMkLst>
+            <pc:docMk/>
+            <pc:sldMk cId="2428409970" sldId="262"/>
+            <ac:spMk id="66" creationId="{1A774E74-6B0C-8345-8279-6AF609B67072}"/>
+          </ac:spMkLst>
+        </pc:spChg>
+        <pc:spChg chg="mod">
+          <ac:chgData name="Chia-jung Yeh" userId="f328d6f4-0757-42dc-943f-c4685e047ee8" providerId="ADAL" clId="{6FA124D8-70CE-4C19-8D7A-3D51F9CAB878}" dt="2023-09-06T09:04:52.117" v="2" actId="5736"/>
+          <ac:spMkLst>
+            <pc:docMk/>
+            <pc:sldMk cId="2428409970" sldId="262"/>
+            <ac:spMk id="67" creationId="{1006A181-2837-F48B-229A-5C891898C9F6}"/>
+          </ac:spMkLst>
+        </pc:spChg>
+        <pc:spChg chg="mod">
+          <ac:chgData name="Chia-jung Yeh" userId="f328d6f4-0757-42dc-943f-c4685e047ee8" providerId="ADAL" clId="{6FA124D8-70CE-4C19-8D7A-3D51F9CAB878}" dt="2023-09-06T09:04:52.117" v="2" actId="5736"/>
+          <ac:spMkLst>
+            <pc:docMk/>
+            <pc:sldMk cId="2428409970" sldId="262"/>
+            <ac:spMk id="68" creationId="{923B877E-E21D-3126-9B39-D7CA4C5E0D26}"/>
+          </ac:spMkLst>
+        </pc:spChg>
+        <pc:spChg chg="mod">
+          <ac:chgData name="Chia-jung Yeh" userId="f328d6f4-0757-42dc-943f-c4685e047ee8" providerId="ADAL" clId="{6FA124D8-70CE-4C19-8D7A-3D51F9CAB878}" dt="2023-09-06T09:04:52.117" v="2" actId="5736"/>
+          <ac:spMkLst>
+            <pc:docMk/>
+            <pc:sldMk cId="2428409970" sldId="262"/>
+            <ac:spMk id="69" creationId="{4C7DA9F3-41FB-288C-CB14-64D202856B2F}"/>
+          </ac:spMkLst>
+        </pc:spChg>
+        <pc:spChg chg="mod">
+          <ac:chgData name="Chia-jung Yeh" userId="f328d6f4-0757-42dc-943f-c4685e047ee8" providerId="ADAL" clId="{6FA124D8-70CE-4C19-8D7A-3D51F9CAB878}" dt="2023-09-06T09:04:52.117" v="2" actId="5736"/>
+          <ac:spMkLst>
+            <pc:docMk/>
+            <pc:sldMk cId="2428409970" sldId="262"/>
+            <ac:spMk id="70" creationId="{B3A6AAEA-C49F-2102-622F-39EDF8D0FAD5}"/>
+          </ac:spMkLst>
+        </pc:spChg>
+        <pc:spChg chg="mod">
+          <ac:chgData name="Chia-jung Yeh" userId="f328d6f4-0757-42dc-943f-c4685e047ee8" providerId="ADAL" clId="{6FA124D8-70CE-4C19-8D7A-3D51F9CAB878}" dt="2023-09-06T09:04:52.117" v="2" actId="5736"/>
+          <ac:spMkLst>
+            <pc:docMk/>
+            <pc:sldMk cId="2428409970" sldId="262"/>
+            <ac:spMk id="71" creationId="{4363C1AB-4ED9-D23C-1FCD-A1EA7A1A1D0D}"/>
+          </ac:spMkLst>
+        </pc:spChg>
+        <pc:spChg chg="mod">
+          <ac:chgData name="Chia-jung Yeh" userId="f328d6f4-0757-42dc-943f-c4685e047ee8" providerId="ADAL" clId="{6FA124D8-70CE-4C19-8D7A-3D51F9CAB878}" dt="2023-09-06T09:04:52.117" v="2" actId="5736"/>
+          <ac:spMkLst>
+            <pc:docMk/>
+            <pc:sldMk cId="2428409970" sldId="262"/>
+            <ac:spMk id="72" creationId="{67549211-5B19-E1D5-12C3-BB64B1BE5FA6}"/>
+          </ac:spMkLst>
+        </pc:spChg>
+        <pc:spChg chg="mod">
+          <ac:chgData name="Chia-jung Yeh" userId="f328d6f4-0757-42dc-943f-c4685e047ee8" providerId="ADAL" clId="{6FA124D8-70CE-4C19-8D7A-3D51F9CAB878}" dt="2023-09-06T09:04:52.117" v="2" actId="5736"/>
+          <ac:spMkLst>
+            <pc:docMk/>
+            <pc:sldMk cId="2428409970" sldId="262"/>
+            <ac:spMk id="73" creationId="{CFD54940-1346-C8B3-298A-FD1E67369FA0}"/>
+          </ac:spMkLst>
+        </pc:spChg>
+        <pc:spChg chg="mod">
+          <ac:chgData name="Chia-jung Yeh" userId="f328d6f4-0757-42dc-943f-c4685e047ee8" providerId="ADAL" clId="{6FA124D8-70CE-4C19-8D7A-3D51F9CAB878}" dt="2023-09-06T09:04:52.117" v="2" actId="5736"/>
+          <ac:spMkLst>
+            <pc:docMk/>
+            <pc:sldMk cId="2428409970" sldId="262"/>
+            <ac:spMk id="74" creationId="{E587C4F5-3E5F-EBED-80F1-5540CA9F377D}"/>
+          </ac:spMkLst>
+        </pc:spChg>
+        <pc:spChg chg="mod">
+          <ac:chgData name="Chia-jung Yeh" userId="f328d6f4-0757-42dc-943f-c4685e047ee8" providerId="ADAL" clId="{6FA124D8-70CE-4C19-8D7A-3D51F9CAB878}" dt="2023-09-06T09:04:52.117" v="2" actId="5736"/>
+          <ac:spMkLst>
+            <pc:docMk/>
+            <pc:sldMk cId="2428409970" sldId="262"/>
+            <ac:spMk id="75" creationId="{AA2178E3-76C3-B21E-F8EE-4180F3EF8F76}"/>
+          </ac:spMkLst>
+        </pc:spChg>
+        <pc:spChg chg="mod">
+          <ac:chgData name="Chia-jung Yeh" userId="f328d6f4-0757-42dc-943f-c4685e047ee8" providerId="ADAL" clId="{6FA124D8-70CE-4C19-8D7A-3D51F9CAB878}" dt="2023-09-06T09:04:52.117" v="2" actId="5736"/>
+          <ac:spMkLst>
+            <pc:docMk/>
+            <pc:sldMk cId="2428409970" sldId="262"/>
+            <ac:spMk id="76" creationId="{B99E84B1-7340-1217-4457-8E921C3C0CBF}"/>
+          </ac:spMkLst>
+        </pc:spChg>
+        <pc:spChg chg="mod">
+          <ac:chgData name="Chia-jung Yeh" userId="f328d6f4-0757-42dc-943f-c4685e047ee8" providerId="ADAL" clId="{6FA124D8-70CE-4C19-8D7A-3D51F9CAB878}" dt="2023-09-06T09:04:52.117" v="2" actId="5736"/>
+          <ac:spMkLst>
+            <pc:docMk/>
+            <pc:sldMk cId="2428409970" sldId="262"/>
+            <ac:spMk id="77" creationId="{71F9475D-F9D7-DF95-21EF-3149876842CE}"/>
+          </ac:spMkLst>
+        </pc:spChg>
+        <pc:spChg chg="mod">
+          <ac:chgData name="Chia-jung Yeh" userId="f328d6f4-0757-42dc-943f-c4685e047ee8" providerId="ADAL" clId="{6FA124D8-70CE-4C19-8D7A-3D51F9CAB878}" dt="2023-09-06T09:04:52.117" v="2" actId="5736"/>
+          <ac:spMkLst>
+            <pc:docMk/>
+            <pc:sldMk cId="2428409970" sldId="262"/>
+            <ac:spMk id="79" creationId="{CD398368-B5CF-9BEC-2195-16DF46FB44B0}"/>
+          </ac:spMkLst>
+        </pc:spChg>
+        <pc:spChg chg="mod">
+          <ac:chgData name="Chia-jung Yeh" userId="f328d6f4-0757-42dc-943f-c4685e047ee8" providerId="ADAL" clId="{6FA124D8-70CE-4C19-8D7A-3D51F9CAB878}" dt="2023-09-06T09:04:52.117" v="2" actId="5736"/>
+          <ac:spMkLst>
+            <pc:docMk/>
+            <pc:sldMk cId="2428409970" sldId="262"/>
+            <ac:spMk id="80" creationId="{D711594F-57C9-4DC1-5D72-A7FB91F101CA}"/>
+          </ac:spMkLst>
+        </pc:spChg>
+        <pc:spChg chg="mod">
+          <ac:chgData name="Chia-jung Yeh" userId="f328d6f4-0757-42dc-943f-c4685e047ee8" providerId="ADAL" clId="{6FA124D8-70CE-4C19-8D7A-3D51F9CAB878}" dt="2023-09-06T09:04:52.117" v="2" actId="5736"/>
+          <ac:spMkLst>
+            <pc:docMk/>
+            <pc:sldMk cId="2428409970" sldId="262"/>
+            <ac:spMk id="81" creationId="{65B47FB8-DF36-A092-E6D3-562A77A8AA93}"/>
+          </ac:spMkLst>
+        </pc:spChg>
+        <pc:spChg chg="mod">
+          <ac:chgData name="Chia-jung Yeh" userId="f328d6f4-0757-42dc-943f-c4685e047ee8" providerId="ADAL" clId="{6FA124D8-70CE-4C19-8D7A-3D51F9CAB878}" dt="2023-09-06T09:04:52.117" v="2" actId="5736"/>
+          <ac:spMkLst>
+            <pc:docMk/>
+            <pc:sldMk cId="2428409970" sldId="262"/>
+            <ac:spMk id="82" creationId="{9D90266E-537A-2FB6-BFED-25608F4A3B7B}"/>
+          </ac:spMkLst>
+        </pc:spChg>
+        <pc:spChg chg="mod">
+          <ac:chgData name="Chia-jung Yeh" userId="f328d6f4-0757-42dc-943f-c4685e047ee8" providerId="ADAL" clId="{6FA124D8-70CE-4C19-8D7A-3D51F9CAB878}" dt="2023-09-06T09:04:52.117" v="2" actId="5736"/>
+          <ac:spMkLst>
+            <pc:docMk/>
+            <pc:sldMk cId="2428409970" sldId="262"/>
+            <ac:spMk id="83" creationId="{9718BE8D-F7B0-67D0-C001-F5FFAF64F4BF}"/>
+          </ac:spMkLst>
+        </pc:spChg>
+        <pc:spChg chg="mod">
+          <ac:chgData name="Chia-jung Yeh" userId="f328d6f4-0757-42dc-943f-c4685e047ee8" providerId="ADAL" clId="{6FA124D8-70CE-4C19-8D7A-3D51F9CAB878}" dt="2023-09-06T09:04:52.117" v="2" actId="5736"/>
+          <ac:spMkLst>
+            <pc:docMk/>
+            <pc:sldMk cId="2428409970" sldId="262"/>
+            <ac:spMk id="84" creationId="{B55C2CCF-4205-8269-038E-90860D39F827}"/>
+          </ac:spMkLst>
+        </pc:spChg>
+        <pc:spChg chg="mod">
+          <ac:chgData name="Chia-jung Yeh" userId="f328d6f4-0757-42dc-943f-c4685e047ee8" providerId="ADAL" clId="{6FA124D8-70CE-4C19-8D7A-3D51F9CAB878}" dt="2023-09-06T09:04:52.117" v="2" actId="5736"/>
+          <ac:spMkLst>
+            <pc:docMk/>
+            <pc:sldMk cId="2428409970" sldId="262"/>
+            <ac:spMk id="85" creationId="{12FF0D9B-E6C8-1C6B-C98E-B99BD147F75E}"/>
+          </ac:spMkLst>
+        </pc:spChg>
+        <pc:spChg chg="mod">
+          <ac:chgData name="Chia-jung Yeh" userId="f328d6f4-0757-42dc-943f-c4685e047ee8" providerId="ADAL" clId="{6FA124D8-70CE-4C19-8D7A-3D51F9CAB878}" dt="2023-09-06T09:04:52.117" v="2" actId="5736"/>
+          <ac:spMkLst>
+            <pc:docMk/>
+            <pc:sldMk cId="2428409970" sldId="262"/>
+            <ac:spMk id="86" creationId="{F6ED8D45-7E21-9F3A-D648-7DB3FA1A354A}"/>
+          </ac:spMkLst>
+        </pc:spChg>
+        <pc:spChg chg="mod">
+          <ac:chgData name="Chia-jung Yeh" userId="f328d6f4-0757-42dc-943f-c4685e047ee8" providerId="ADAL" clId="{6FA124D8-70CE-4C19-8D7A-3D51F9CAB878}" dt="2023-09-06T09:04:52.117" v="2" actId="5736"/>
+          <ac:spMkLst>
+            <pc:docMk/>
+            <pc:sldMk cId="2428409970" sldId="262"/>
+            <ac:spMk id="87" creationId="{4B810812-3A35-B21B-79A0-4F2154CE0EB7}"/>
+          </ac:spMkLst>
+        </pc:spChg>
+        <pc:spChg chg="mod">
+          <ac:chgData name="Chia-jung Yeh" userId="f328d6f4-0757-42dc-943f-c4685e047ee8" providerId="ADAL" clId="{6FA124D8-70CE-4C19-8D7A-3D51F9CAB878}" dt="2023-09-06T09:04:52.117" v="2" actId="5736"/>
+          <ac:spMkLst>
+            <pc:docMk/>
+            <pc:sldMk cId="2428409970" sldId="262"/>
+            <ac:spMk id="88" creationId="{CA9F6912-3FCF-EF55-F01C-5D69035628F0}"/>
+          </ac:spMkLst>
+        </pc:spChg>
+        <pc:spChg chg="mod">
+          <ac:chgData name="Chia-jung Yeh" userId="f328d6f4-0757-42dc-943f-c4685e047ee8" providerId="ADAL" clId="{6FA124D8-70CE-4C19-8D7A-3D51F9CAB878}" dt="2023-09-06T09:04:52.117" v="2" actId="5736"/>
+          <ac:spMkLst>
+            <pc:docMk/>
+            <pc:sldMk cId="2428409970" sldId="262"/>
+            <ac:spMk id="89" creationId="{7B1669E4-0755-661C-D14F-36AFFC8247EC}"/>
+          </ac:spMkLst>
+        </pc:spChg>
+        <pc:spChg chg="mod">
+          <ac:chgData name="Chia-jung Yeh" userId="f328d6f4-0757-42dc-943f-c4685e047ee8" providerId="ADAL" clId="{6FA124D8-70CE-4C19-8D7A-3D51F9CAB878}" dt="2023-09-06T09:04:52.117" v="2" actId="5736"/>
+          <ac:spMkLst>
+            <pc:docMk/>
+            <pc:sldMk cId="2428409970" sldId="262"/>
+            <ac:spMk id="90" creationId="{A24A046A-C08D-7852-4007-67A0BEA78159}"/>
+          </ac:spMkLst>
+        </pc:spChg>
+        <pc:spChg chg="mod">
+          <ac:chgData name="Chia-jung Yeh" userId="f328d6f4-0757-42dc-943f-c4685e047ee8" providerId="ADAL" clId="{6FA124D8-70CE-4C19-8D7A-3D51F9CAB878}" dt="2023-09-06T09:04:52.117" v="2" actId="5736"/>
+          <ac:spMkLst>
+            <pc:docMk/>
+            <pc:sldMk cId="2428409970" sldId="262"/>
+            <ac:spMk id="92" creationId="{3A1945E0-E2B5-93C5-EF59-EB392717D045}"/>
+          </ac:spMkLst>
+        </pc:spChg>
+        <pc:spChg chg="mod">
+          <ac:chgData name="Chia-jung Yeh" userId="f328d6f4-0757-42dc-943f-c4685e047ee8" providerId="ADAL" clId="{6FA124D8-70CE-4C19-8D7A-3D51F9CAB878}" dt="2023-09-06T09:04:52.117" v="2" actId="5736"/>
+          <ac:spMkLst>
+            <pc:docMk/>
+            <pc:sldMk cId="2428409970" sldId="262"/>
+            <ac:spMk id="93" creationId="{18F89D14-E604-AFBA-5C87-2C33BD47CADC}"/>
+          </ac:spMkLst>
+        </pc:spChg>
+        <pc:spChg chg="mod">
+          <ac:chgData name="Chia-jung Yeh" userId="f328d6f4-0757-42dc-943f-c4685e047ee8" providerId="ADAL" clId="{6FA124D8-70CE-4C19-8D7A-3D51F9CAB878}" dt="2023-09-06T09:04:52.117" v="2" actId="5736"/>
+          <ac:spMkLst>
+            <pc:docMk/>
+            <pc:sldMk cId="2428409970" sldId="262"/>
+            <ac:spMk id="94" creationId="{26AB967A-B359-2F53-01A3-B1A839C73BD1}"/>
+          </ac:spMkLst>
+        </pc:spChg>
+        <pc:spChg chg="mod">
+          <ac:chgData name="Chia-jung Yeh" userId="f328d6f4-0757-42dc-943f-c4685e047ee8" providerId="ADAL" clId="{6FA124D8-70CE-4C19-8D7A-3D51F9CAB878}" dt="2023-09-06T09:04:52.117" v="2" actId="5736"/>
+          <ac:spMkLst>
+            <pc:docMk/>
+            <pc:sldMk cId="2428409970" sldId="262"/>
+            <ac:spMk id="95" creationId="{40955E67-FCE6-DB96-15AB-2252985FD57F}"/>
+          </ac:spMkLst>
+        </pc:spChg>
+        <pc:spChg chg="mod">
+          <ac:chgData name="Chia-jung Yeh" userId="f328d6f4-0757-42dc-943f-c4685e047ee8" providerId="ADAL" clId="{6FA124D8-70CE-4C19-8D7A-3D51F9CAB878}" dt="2023-09-06T09:04:52.117" v="2" actId="5736"/>
+          <ac:spMkLst>
+            <pc:docMk/>
+            <pc:sldMk cId="2428409970" sldId="262"/>
+            <ac:spMk id="96" creationId="{76EBD601-901E-530B-1F7B-B7EC98A6EC53}"/>
+          </ac:spMkLst>
+        </pc:spChg>
+        <pc:spChg chg="mod">
+          <ac:chgData name="Chia-jung Yeh" userId="f328d6f4-0757-42dc-943f-c4685e047ee8" providerId="ADAL" clId="{6FA124D8-70CE-4C19-8D7A-3D51F9CAB878}" dt="2023-09-06T09:04:52.117" v="2" actId="5736"/>
+          <ac:spMkLst>
+            <pc:docMk/>
+            <pc:sldMk cId="2428409970" sldId="262"/>
+            <ac:spMk id="97" creationId="{037A1FAE-364D-1DD4-2546-9A2111C0EBDB}"/>
+          </ac:spMkLst>
+        </pc:spChg>
+        <pc:spChg chg="mod">
+          <ac:chgData name="Chia-jung Yeh" userId="f328d6f4-0757-42dc-943f-c4685e047ee8" providerId="ADAL" clId="{6FA124D8-70CE-4C19-8D7A-3D51F9CAB878}" dt="2023-09-06T09:04:52.117" v="2" actId="5736"/>
+          <ac:spMkLst>
+            <pc:docMk/>
+            <pc:sldMk cId="2428409970" sldId="262"/>
+            <ac:spMk id="98" creationId="{7A2C0BCA-B9CC-913F-A4EB-7A7049A22DD6}"/>
+          </ac:spMkLst>
+        </pc:spChg>
+        <pc:spChg chg="mod">
+          <ac:chgData name="Chia-jung Yeh" userId="f328d6f4-0757-42dc-943f-c4685e047ee8" providerId="ADAL" clId="{6FA124D8-70CE-4C19-8D7A-3D51F9CAB878}" dt="2023-09-06T09:04:52.117" v="2" actId="5736"/>
+          <ac:spMkLst>
+            <pc:docMk/>
+            <pc:sldMk cId="2428409970" sldId="262"/>
+            <ac:spMk id="99" creationId="{BD8F4A2D-EE5F-A1F8-FB8C-401DA418D1A2}"/>
+          </ac:spMkLst>
+        </pc:spChg>
+        <pc:spChg chg="mod">
+          <ac:chgData name="Chia-jung Yeh" userId="f328d6f4-0757-42dc-943f-c4685e047ee8" providerId="ADAL" clId="{6FA124D8-70CE-4C19-8D7A-3D51F9CAB878}" dt="2023-09-06T09:04:52.117" v="2" actId="5736"/>
+          <ac:spMkLst>
+            <pc:docMk/>
+            <pc:sldMk cId="2428409970" sldId="262"/>
+            <ac:spMk id="100" creationId="{03619280-7F85-1299-8B3C-6903E9709CFA}"/>
+          </ac:spMkLst>
+        </pc:spChg>
+        <pc:graphicFrameChg chg="mod">
+          <ac:chgData name="Chia-jung Yeh" userId="f328d6f4-0757-42dc-943f-c4685e047ee8" providerId="ADAL" clId="{6FA124D8-70CE-4C19-8D7A-3D51F9CAB878}" dt="2023-09-06T09:04:52.117" v="2" actId="5736"/>
+          <ac:graphicFrameMkLst>
+            <pc:docMk/>
+            <pc:sldMk cId="2428409970" sldId="262"/>
+            <ac:graphicFrameMk id="158" creationId="{2352CB74-0104-B0DC-8A9C-80DCD933C11F}"/>
+          </ac:graphicFrameMkLst>
+        </pc:graphicFrameChg>
+        <pc:cxnChg chg="mod">
+          <ac:chgData name="Chia-jung Yeh" userId="f328d6f4-0757-42dc-943f-c4685e047ee8" providerId="ADAL" clId="{6FA124D8-70CE-4C19-8D7A-3D51F9CAB878}" dt="2023-09-06T09:04:52.117" v="2" actId="5736"/>
+          <ac:cxnSpMkLst>
+            <pc:docMk/>
+            <pc:sldMk cId="2428409970" sldId="262"/>
+            <ac:cxnSpMk id="4" creationId="{F066D109-D98C-DF9F-BA01-2C8ACA54A517}"/>
+          </ac:cxnSpMkLst>
+        </pc:cxnChg>
+        <pc:cxnChg chg="mod">
+          <ac:chgData name="Chia-jung Yeh" userId="f328d6f4-0757-42dc-943f-c4685e047ee8" providerId="ADAL" clId="{6FA124D8-70CE-4C19-8D7A-3D51F9CAB878}" dt="2023-09-06T09:04:52.117" v="2" actId="5736"/>
+          <ac:cxnSpMkLst>
+            <pc:docMk/>
+            <pc:sldMk cId="2428409970" sldId="262"/>
+            <ac:cxnSpMk id="5" creationId="{0CADA25D-51EF-1529-1E0D-D8D1AAC91749}"/>
+          </ac:cxnSpMkLst>
+        </pc:cxnChg>
+        <pc:cxnChg chg="mod">
+          <ac:chgData name="Chia-jung Yeh" userId="f328d6f4-0757-42dc-943f-c4685e047ee8" providerId="ADAL" clId="{6FA124D8-70CE-4C19-8D7A-3D51F9CAB878}" dt="2023-09-06T09:04:52.117" v="2" actId="5736"/>
+          <ac:cxnSpMkLst>
+            <pc:docMk/>
+            <pc:sldMk cId="2428409970" sldId="262"/>
+            <ac:cxnSpMk id="8" creationId="{23C655D0-6EB0-9DBF-9188-D1E3792D3DF9}"/>
+          </ac:cxnSpMkLst>
+        </pc:cxnChg>
+        <pc:cxnChg chg="mod">
+          <ac:chgData name="Chia-jung Yeh" userId="f328d6f4-0757-42dc-943f-c4685e047ee8" providerId="ADAL" clId="{6FA124D8-70CE-4C19-8D7A-3D51F9CAB878}" dt="2023-09-06T09:04:52.117" v="2" actId="5736"/>
+          <ac:cxnSpMkLst>
+            <pc:docMk/>
+            <pc:sldMk cId="2428409970" sldId="262"/>
+            <ac:cxnSpMk id="10" creationId="{5D07686A-8E76-6219-6607-6FCFFD6A8FC2}"/>
+          </ac:cxnSpMkLst>
+        </pc:cxnChg>
+        <pc:cxnChg chg="mod">
+          <ac:chgData name="Chia-jung Yeh" userId="f328d6f4-0757-42dc-943f-c4685e047ee8" providerId="ADAL" clId="{6FA124D8-70CE-4C19-8D7A-3D51F9CAB878}" dt="2023-09-06T09:04:52.117" v="2" actId="5736"/>
+          <ac:cxnSpMkLst>
+            <pc:docMk/>
+            <pc:sldMk cId="2428409970" sldId="262"/>
+            <ac:cxnSpMk id="11" creationId="{390B8D41-BF1B-AA8D-8D09-10FBD970504B}"/>
+          </ac:cxnSpMkLst>
+        </pc:cxnChg>
+        <pc:cxnChg chg="mod">
+          <ac:chgData name="Chia-jung Yeh" userId="f328d6f4-0757-42dc-943f-c4685e047ee8" providerId="ADAL" clId="{6FA124D8-70CE-4C19-8D7A-3D51F9CAB878}" dt="2023-09-06T09:04:52.117" v="2" actId="5736"/>
+          <ac:cxnSpMkLst>
+            <pc:docMk/>
+            <pc:sldMk cId="2428409970" sldId="262"/>
+            <ac:cxnSpMk id="12" creationId="{EC7F4D87-AA95-1EF0-85E3-70C054466CC4}"/>
+          </ac:cxnSpMkLst>
+        </pc:cxnChg>
+        <pc:cxnChg chg="mod">
+          <ac:chgData name="Chia-jung Yeh" userId="f328d6f4-0757-42dc-943f-c4685e047ee8" providerId="ADAL" clId="{6FA124D8-70CE-4C19-8D7A-3D51F9CAB878}" dt="2023-09-06T09:04:52.117" v="2" actId="5736"/>
+          <ac:cxnSpMkLst>
+            <pc:docMk/>
+            <pc:sldMk cId="2428409970" sldId="262"/>
+            <ac:cxnSpMk id="36" creationId="{2E6C5CAB-C32E-6901-8925-B3BCDA0F45BD}"/>
+          </ac:cxnSpMkLst>
+        </pc:cxnChg>
+        <pc:cxnChg chg="mod">
+          <ac:chgData name="Chia-jung Yeh" userId="f328d6f4-0757-42dc-943f-c4685e047ee8" providerId="ADAL" clId="{6FA124D8-70CE-4C19-8D7A-3D51F9CAB878}" dt="2023-09-06T09:04:52.117" v="2" actId="5736"/>
+          <ac:cxnSpMkLst>
+            <pc:docMk/>
+            <pc:sldMk cId="2428409970" sldId="262"/>
+            <ac:cxnSpMk id="38" creationId="{7564F801-9555-C085-3598-19EDD8836D58}"/>
           </ac:cxnSpMkLst>
         </pc:cxnChg>
       </pc:sldChg>
@@ -4145,7 +5967,7 @@
           <a:p>
             <a:fld id="{4B25DFFB-04DA-48BA-8EA3-9B0128D5678E}" type="datetimeFigureOut">
               <a:rPr lang="en-GB" smtClean="0"/>
-              <a:t>05/09/2023</a:t>
+              <a:t>06/09/2023</a:t>
             </a:fld>
             <a:endParaRPr lang="en-GB"/>
           </a:p>
@@ -4345,7 +6167,7 @@
           <a:p>
             <a:fld id="{4B25DFFB-04DA-48BA-8EA3-9B0128D5678E}" type="datetimeFigureOut">
               <a:rPr lang="en-GB" smtClean="0"/>
-              <a:t>05/09/2023</a:t>
+              <a:t>06/09/2023</a:t>
             </a:fld>
             <a:endParaRPr lang="en-GB"/>
           </a:p>
@@ -4555,7 +6377,7 @@
           <a:p>
             <a:fld id="{4B25DFFB-04DA-48BA-8EA3-9B0128D5678E}" type="datetimeFigureOut">
               <a:rPr lang="en-GB" smtClean="0"/>
-              <a:t>05/09/2023</a:t>
+              <a:t>06/09/2023</a:t>
             </a:fld>
             <a:endParaRPr lang="en-GB"/>
           </a:p>
@@ -4755,7 +6577,7 @@
           <a:p>
             <a:fld id="{4B25DFFB-04DA-48BA-8EA3-9B0128D5678E}" type="datetimeFigureOut">
               <a:rPr lang="en-GB" smtClean="0"/>
-              <a:t>05/09/2023</a:t>
+              <a:t>06/09/2023</a:t>
             </a:fld>
             <a:endParaRPr lang="en-GB"/>
           </a:p>
@@ -5031,7 +6853,7 @@
           <a:p>
             <a:fld id="{4B25DFFB-04DA-48BA-8EA3-9B0128D5678E}" type="datetimeFigureOut">
               <a:rPr lang="en-GB" smtClean="0"/>
-              <a:t>05/09/2023</a:t>
+              <a:t>06/09/2023</a:t>
             </a:fld>
             <a:endParaRPr lang="en-GB"/>
           </a:p>
@@ -5299,7 +7121,7 @@
           <a:p>
             <a:fld id="{4B25DFFB-04DA-48BA-8EA3-9B0128D5678E}" type="datetimeFigureOut">
               <a:rPr lang="en-GB" smtClean="0"/>
-              <a:t>05/09/2023</a:t>
+              <a:t>06/09/2023</a:t>
             </a:fld>
             <a:endParaRPr lang="en-GB"/>
           </a:p>
@@ -5714,7 +7536,7 @@
           <a:p>
             <a:fld id="{4B25DFFB-04DA-48BA-8EA3-9B0128D5678E}" type="datetimeFigureOut">
               <a:rPr lang="en-GB" smtClean="0"/>
-              <a:t>05/09/2023</a:t>
+              <a:t>06/09/2023</a:t>
             </a:fld>
             <a:endParaRPr lang="en-GB"/>
           </a:p>
@@ -5856,7 +7678,7 @@
           <a:p>
             <a:fld id="{4B25DFFB-04DA-48BA-8EA3-9B0128D5678E}" type="datetimeFigureOut">
               <a:rPr lang="en-GB" smtClean="0"/>
-              <a:t>05/09/2023</a:t>
+              <a:t>06/09/2023</a:t>
             </a:fld>
             <a:endParaRPr lang="en-GB"/>
           </a:p>
@@ -5969,7 +7791,7 @@
           <a:p>
             <a:fld id="{4B25DFFB-04DA-48BA-8EA3-9B0128D5678E}" type="datetimeFigureOut">
               <a:rPr lang="en-GB" smtClean="0"/>
-              <a:t>05/09/2023</a:t>
+              <a:t>06/09/2023</a:t>
             </a:fld>
             <a:endParaRPr lang="en-GB"/>
           </a:p>
@@ -6282,7 +8104,7 @@
           <a:p>
             <a:fld id="{4B25DFFB-04DA-48BA-8EA3-9B0128D5678E}" type="datetimeFigureOut">
               <a:rPr lang="en-GB" smtClean="0"/>
-              <a:t>05/09/2023</a:t>
+              <a:t>06/09/2023</a:t>
             </a:fld>
             <a:endParaRPr lang="en-GB"/>
           </a:p>
@@ -6571,7 +8393,7 @@
           <a:p>
             <a:fld id="{4B25DFFB-04DA-48BA-8EA3-9B0128D5678E}" type="datetimeFigureOut">
               <a:rPr lang="en-GB" smtClean="0"/>
-              <a:t>05/09/2023</a:t>
+              <a:t>06/09/2023</a:t>
             </a:fld>
             <a:endParaRPr lang="en-GB"/>
           </a:p>
@@ -6814,7 +8636,7 @@
           <a:p>
             <a:fld id="{4B25DFFB-04DA-48BA-8EA3-9B0128D5678E}" type="datetimeFigureOut">
               <a:rPr lang="en-GB" smtClean="0"/>
-              <a:t>05/09/2023</a:t>
+              <a:t>06/09/2023</a:t>
             </a:fld>
             <a:endParaRPr lang="en-GB"/>
           </a:p>
@@ -18492,7 +20314,7 @@
           <p:nvPr>
             <p:extLst>
               <p:ext uri="{D42A27DB-BD31-4B8C-83A1-F6EECF244321}">
-                <p14:modId xmlns:p14="http://schemas.microsoft.com/office/powerpoint/2010/main" val="2997796346"/>
+                <p14:modId xmlns:p14="http://schemas.microsoft.com/office/powerpoint/2010/main" val="2808425841"/>
               </p:ext>
             </p:extLst>
           </p:nvPr>
@@ -23044,7 +24866,7 @@
           <p:nvPr>
             <p:extLst>
               <p:ext uri="{D42A27DB-BD31-4B8C-83A1-F6EECF244321}">
-                <p14:modId xmlns:p14="http://schemas.microsoft.com/office/powerpoint/2010/main" val="91233852"/>
+                <p14:modId xmlns:p14="http://schemas.microsoft.com/office/powerpoint/2010/main" val="1530867513"/>
               </p:ext>
             </p:extLst>
           </p:nvPr>
@@ -28561,7 +30383,7 @@
           <p:nvPr>
             <p:extLst>
               <p:ext uri="{D42A27DB-BD31-4B8C-83A1-F6EECF244321}">
-                <p14:modId xmlns:p14="http://schemas.microsoft.com/office/powerpoint/2010/main" val="2831567704"/>
+                <p14:modId xmlns:p14="http://schemas.microsoft.com/office/powerpoint/2010/main" val="3774969606"/>
               </p:ext>
             </p:extLst>
           </p:nvPr>
